--- a/SDMX Matrix Generator User Guide.pptx
+++ b/SDMX Matrix Generator User Guide.pptx
@@ -4082,8 +4082,8 @@
   <dgm:cxnLst>
     <dgm:cxn modelId="{09226881-8F0D-4A9F-A507-BAD659FB3B65}" type="presOf" srcId="{F93CB5D6-FFB9-45DF-85D1-4A43A3B3706E}" destId="{CC7E943C-5B99-4E6C-A20B-FB7FC34C73F8}" srcOrd="0" destOrd="0" presId="urn:microsoft.com/office/officeart/2005/8/layout/chevron1"/>
     <dgm:cxn modelId="{1AB0330D-077D-4F8A-AD14-46AC4C062027}" type="presOf" srcId="{5C712442-7D6D-435F-8FFB-AF663470ADC8}" destId="{4C2F150F-0411-49DD-8AC7-13B69B973642}" srcOrd="0" destOrd="0" presId="urn:microsoft.com/office/officeart/2005/8/layout/chevron1"/>
+    <dgm:cxn modelId="{0E0BF7C9-179E-45AA-A0D2-32E71F430749}" type="presOf" srcId="{F9046349-62F7-432E-B8F0-E00DDBF13256}" destId="{19D11876-6F17-424D-BACB-47A96D3DF1F7}" srcOrd="0" destOrd="0" presId="urn:microsoft.com/office/officeart/2005/8/layout/chevron1"/>
     <dgm:cxn modelId="{5559C55A-84FA-4D62-A38D-BB616E5D8D41}" srcId="{F9046349-62F7-432E-B8F0-E00DDBF13256}" destId="{F93CB5D6-FFB9-45DF-85D1-4A43A3B3706E}" srcOrd="2" destOrd="0" parTransId="{D43C181C-4FAC-4F9F-A26C-05BDA1E460FE}" sibTransId="{B8165244-73CB-4D83-A32B-0EED6E6031FA}"/>
-    <dgm:cxn modelId="{0E0BF7C9-179E-45AA-A0D2-32E71F430749}" type="presOf" srcId="{F9046349-62F7-432E-B8F0-E00DDBF13256}" destId="{19D11876-6F17-424D-BACB-47A96D3DF1F7}" srcOrd="0" destOrd="0" presId="urn:microsoft.com/office/officeart/2005/8/layout/chevron1"/>
     <dgm:cxn modelId="{EF260A53-4FF6-42EC-AC94-ECA90AB8A5D2}" type="presOf" srcId="{E0D30344-939B-4B50-8F94-866DF243B2F7}" destId="{3A07515E-7050-4DDA-AFBB-EDDA4F2854E7}" srcOrd="0" destOrd="0" presId="urn:microsoft.com/office/officeart/2005/8/layout/chevron1"/>
     <dgm:cxn modelId="{C1866E7C-F29C-4698-A5AD-4AF150586BAA}" srcId="{F9046349-62F7-432E-B8F0-E00DDBF13256}" destId="{5C712442-7D6D-435F-8FFB-AF663470ADC8}" srcOrd="0" destOrd="0" parTransId="{E3E95FD2-06EB-4660-A372-8A9E4A6CDA01}" sibTransId="{8983AD4C-1DED-45D3-8668-FBF1A58C81E2}"/>
     <dgm:cxn modelId="{4FFA3608-BF13-4BCB-B4B2-3F4E8F37812F}" srcId="{F9046349-62F7-432E-B8F0-E00DDBF13256}" destId="{E0D30344-939B-4B50-8F94-866DF243B2F7}" srcOrd="1" destOrd="0" parTransId="{9D795A23-24D7-4EBE-B923-A3539D159624}" sibTransId="{15F7724E-3207-4719-B034-2158214F3A38}"/>
@@ -4338,7 +4338,7 @@
         <a:lstStyle/>
         <a:p>
           <a:r>
-            <a:rPr lang="en-US" sz="1200"/>
+            <a:rPr lang="en-US" sz="1200" dirty="0"/>
             <a:t>Constraints</a:t>
           </a:r>
         </a:p>
@@ -4594,8 +4594,8 @@
     <dgm:cxn modelId="{EF260A53-4FF6-42EC-AC94-ECA90AB8A5D2}" type="presOf" srcId="{E0D30344-939B-4B50-8F94-866DF243B2F7}" destId="{3A07515E-7050-4DDA-AFBB-EDDA4F2854E7}" srcOrd="0" destOrd="0" presId="urn:microsoft.com/office/officeart/2005/8/layout/chevron1"/>
     <dgm:cxn modelId="{A464FDEE-CD9B-4C71-84C9-60C16656B9B8}" type="presOf" srcId="{1D144A17-FCF9-41E6-BF9E-E0BDD71092E2}" destId="{6AA2FB66-E4AC-4BB6-A23B-A128E702F3BD}" srcOrd="0" destOrd="0" presId="urn:microsoft.com/office/officeart/2005/8/layout/chevron1"/>
     <dgm:cxn modelId="{2493CB2E-6AC9-4DB1-8A31-E48B34F41A56}" type="presOf" srcId="{F1363C03-C904-4BB6-BB98-3B538AB53AF6}" destId="{08D4D8F1-6210-43CD-9D6D-E2B207FF2C23}" srcOrd="0" destOrd="0" presId="urn:microsoft.com/office/officeart/2005/8/layout/chevron1"/>
+    <dgm:cxn modelId="{0E0BF7C9-179E-45AA-A0D2-32E71F430749}" type="presOf" srcId="{F9046349-62F7-432E-B8F0-E00DDBF13256}" destId="{19D11876-6F17-424D-BACB-47A96D3DF1F7}" srcOrd="0" destOrd="0" presId="urn:microsoft.com/office/officeart/2005/8/layout/chevron1"/>
     <dgm:cxn modelId="{31D09F21-63BC-49FE-AB4F-725EBB2FD278}" type="presOf" srcId="{4E30AE71-8383-4D68-992F-A356261564EF}" destId="{15A22A56-27F4-49E6-811F-765CDBF66437}" srcOrd="0" destOrd="0" presId="urn:microsoft.com/office/officeart/2005/8/layout/chevron1"/>
-    <dgm:cxn modelId="{0E0BF7C9-179E-45AA-A0D2-32E71F430749}" type="presOf" srcId="{F9046349-62F7-432E-B8F0-E00DDBF13256}" destId="{19D11876-6F17-424D-BACB-47A96D3DF1F7}" srcOrd="0" destOrd="0" presId="urn:microsoft.com/office/officeart/2005/8/layout/chevron1"/>
     <dgm:cxn modelId="{09226881-8F0D-4A9F-A507-BAD659FB3B65}" type="presOf" srcId="{F93CB5D6-FFB9-45DF-85D1-4A43A3B3706E}" destId="{CC7E943C-5B99-4E6C-A20B-FB7FC34C73F8}" srcOrd="0" destOrd="0" presId="urn:microsoft.com/office/officeart/2005/8/layout/chevron1"/>
     <dgm:cxn modelId="{F4E4308A-54F2-42BA-9F68-7D96635B5656}" srcId="{F9046349-62F7-432E-B8F0-E00DDBF13256}" destId="{4E30AE71-8383-4D68-992F-A356261564EF}" srcOrd="1" destOrd="0" parTransId="{67272E9A-7472-4875-BD45-227D4B4C5A80}" sibTransId="{B7A50BC0-8C76-4B2A-9C6B-1541A3173249}"/>
     <dgm:cxn modelId="{44F9563D-73D7-489A-804F-099F73B92543}" srcId="{F9046349-62F7-432E-B8F0-E00DDBF13256}" destId="{F1363C03-C904-4BB6-BB98-3B538AB53AF6}" srcOrd="4" destOrd="0" parTransId="{445E1530-6511-4CA8-9BF3-A89BD4EE5682}" sibTransId="{536AFEF9-63C2-4CD4-96E8-D53E4303A05B}"/>
@@ -4682,11 +4682,7 @@
           </a:r>
           <a:r>
             <a:rPr lang="en-US" sz="1600" dirty="0" smtClean="0"/>
-            <a:t> </a:t>
-          </a:r>
-          <a:r>
-            <a:rPr lang="en-US" sz="1600" dirty="0" smtClean="0"/>
-            <a:t>(edit, change Identifiers)</a:t>
+            <a:t> (edit, change Identifiers)</a:t>
           </a:r>
           <a:endParaRPr lang="en-US" sz="1600" dirty="0"/>
         </a:p>
@@ -4938,16 +4934,16 @@
   </dgm:ptLst>
   <dgm:cxnLst>
     <dgm:cxn modelId="{184CB7D9-BB00-4A62-81FE-A9CAA3226A01}" srcId="{F9046349-62F7-432E-B8F0-E00DDBF13256}" destId="{E1562295-F7B7-4EFF-9135-7EC4AAC899B3}" srcOrd="0" destOrd="0" parTransId="{5BB9F75F-A65B-4F77-A0F8-F47C755CCF29}" sibTransId="{76D79678-0460-454C-A35F-E923ADD787AA}"/>
+    <dgm:cxn modelId="{09226881-8F0D-4A9F-A507-BAD659FB3B65}" type="presOf" srcId="{F93CB5D6-FFB9-45DF-85D1-4A43A3B3706E}" destId="{CC7E943C-5B99-4E6C-A20B-FB7FC34C73F8}" srcOrd="0" destOrd="0" presId="urn:microsoft.com/office/officeart/2005/8/layout/chevron1"/>
+    <dgm:cxn modelId="{F2B4CFE0-1F00-485D-A0F6-2AE0BD5E1ABD}" type="presOf" srcId="{A156CCBC-2190-4B3B-AA5B-926932676E0A}" destId="{D38AA053-A835-4969-B8C4-D06D038D399B}" srcOrd="0" destOrd="0" presId="urn:microsoft.com/office/officeart/2005/8/layout/chevron1"/>
+    <dgm:cxn modelId="{5107774F-7F93-4A2F-BF40-6515B440D504}" srcId="{F9046349-62F7-432E-B8F0-E00DDBF13256}" destId="{35FCA027-20E0-4C22-8FA3-FCB642C0C051}" srcOrd="2" destOrd="0" parTransId="{3E3B6578-A123-46D4-A0FD-BB258650647E}" sibTransId="{5500A8D2-2DA0-4230-82E7-93E3534670CD}"/>
+    <dgm:cxn modelId="{723FE56F-FFB7-488B-8D74-3B8AE71E0CC8}" type="presOf" srcId="{35FCA027-20E0-4C22-8FA3-FCB642C0C051}" destId="{3BEBA7DE-EE3D-47FE-AA84-5FDC98E37219}" srcOrd="0" destOrd="0" presId="urn:microsoft.com/office/officeart/2005/8/layout/chevron1"/>
+    <dgm:cxn modelId="{42FBC066-9342-419E-9ADB-06F02107ACD6}" srcId="{F9046349-62F7-432E-B8F0-E00DDBF13256}" destId="{A156CCBC-2190-4B3B-AA5B-926932676E0A}" srcOrd="3" destOrd="0" parTransId="{40761BE0-8DAF-4C50-BED9-DE52888F05F6}" sibTransId="{0E370449-3C0D-462F-8E7B-05E873B0397F}"/>
+    <dgm:cxn modelId="{5559C55A-84FA-4D62-A38D-BB616E5D8D41}" srcId="{F9046349-62F7-432E-B8F0-E00DDBF13256}" destId="{F93CB5D6-FFB9-45DF-85D1-4A43A3B3706E}" srcOrd="4" destOrd="0" parTransId="{D43C181C-4FAC-4F9F-A26C-05BDA1E460FE}" sibTransId="{B8165244-73CB-4D83-A32B-0EED6E6031FA}"/>
+    <dgm:cxn modelId="{0E0BF7C9-179E-45AA-A0D2-32E71F430749}" type="presOf" srcId="{F9046349-62F7-432E-B8F0-E00DDBF13256}" destId="{19D11876-6F17-424D-BACB-47A96D3DF1F7}" srcOrd="0" destOrd="0" presId="urn:microsoft.com/office/officeart/2005/8/layout/chevron1"/>
+    <dgm:cxn modelId="{EF260A53-4FF6-42EC-AC94-ECA90AB8A5D2}" type="presOf" srcId="{E0D30344-939B-4B50-8F94-866DF243B2F7}" destId="{3A07515E-7050-4DDA-AFBB-EDDA4F2854E7}" srcOrd="0" destOrd="0" presId="urn:microsoft.com/office/officeart/2005/8/layout/chevron1"/>
     <dgm:cxn modelId="{83C6E31D-DA29-4107-B0C8-30554155D151}" type="presOf" srcId="{E1562295-F7B7-4EFF-9135-7EC4AAC899B3}" destId="{898F294B-C69B-4765-8B71-3FCD29A9BD4D}" srcOrd="0" destOrd="0" presId="urn:microsoft.com/office/officeart/2005/8/layout/chevron1"/>
     <dgm:cxn modelId="{4FFA3608-BF13-4BCB-B4B2-3F4E8F37812F}" srcId="{F9046349-62F7-432E-B8F0-E00DDBF13256}" destId="{E0D30344-939B-4B50-8F94-866DF243B2F7}" srcOrd="1" destOrd="0" parTransId="{9D795A23-24D7-4EBE-B923-A3539D159624}" sibTransId="{15F7724E-3207-4719-B034-2158214F3A38}"/>
-    <dgm:cxn modelId="{F2B4CFE0-1F00-485D-A0F6-2AE0BD5E1ABD}" type="presOf" srcId="{A156CCBC-2190-4B3B-AA5B-926932676E0A}" destId="{D38AA053-A835-4969-B8C4-D06D038D399B}" srcOrd="0" destOrd="0" presId="urn:microsoft.com/office/officeart/2005/8/layout/chevron1"/>
-    <dgm:cxn modelId="{5559C55A-84FA-4D62-A38D-BB616E5D8D41}" srcId="{F9046349-62F7-432E-B8F0-E00DDBF13256}" destId="{F93CB5D6-FFB9-45DF-85D1-4A43A3B3706E}" srcOrd="4" destOrd="0" parTransId="{D43C181C-4FAC-4F9F-A26C-05BDA1E460FE}" sibTransId="{B8165244-73CB-4D83-A32B-0EED6E6031FA}"/>
-    <dgm:cxn modelId="{42FBC066-9342-419E-9ADB-06F02107ACD6}" srcId="{F9046349-62F7-432E-B8F0-E00DDBF13256}" destId="{A156CCBC-2190-4B3B-AA5B-926932676E0A}" srcOrd="3" destOrd="0" parTransId="{40761BE0-8DAF-4C50-BED9-DE52888F05F6}" sibTransId="{0E370449-3C0D-462F-8E7B-05E873B0397F}"/>
-    <dgm:cxn modelId="{EF260A53-4FF6-42EC-AC94-ECA90AB8A5D2}" type="presOf" srcId="{E0D30344-939B-4B50-8F94-866DF243B2F7}" destId="{3A07515E-7050-4DDA-AFBB-EDDA4F2854E7}" srcOrd="0" destOrd="0" presId="urn:microsoft.com/office/officeart/2005/8/layout/chevron1"/>
-    <dgm:cxn modelId="{723FE56F-FFB7-488B-8D74-3B8AE71E0CC8}" type="presOf" srcId="{35FCA027-20E0-4C22-8FA3-FCB642C0C051}" destId="{3BEBA7DE-EE3D-47FE-AA84-5FDC98E37219}" srcOrd="0" destOrd="0" presId="urn:microsoft.com/office/officeart/2005/8/layout/chevron1"/>
-    <dgm:cxn modelId="{0E0BF7C9-179E-45AA-A0D2-32E71F430749}" type="presOf" srcId="{F9046349-62F7-432E-B8F0-E00DDBF13256}" destId="{19D11876-6F17-424D-BACB-47A96D3DF1F7}" srcOrd="0" destOrd="0" presId="urn:microsoft.com/office/officeart/2005/8/layout/chevron1"/>
-    <dgm:cxn modelId="{09226881-8F0D-4A9F-A507-BAD659FB3B65}" type="presOf" srcId="{F93CB5D6-FFB9-45DF-85D1-4A43A3B3706E}" destId="{CC7E943C-5B99-4E6C-A20B-FB7FC34C73F8}" srcOrd="0" destOrd="0" presId="urn:microsoft.com/office/officeart/2005/8/layout/chevron1"/>
-    <dgm:cxn modelId="{5107774F-7F93-4A2F-BF40-6515B440D504}" srcId="{F9046349-62F7-432E-B8F0-E00DDBF13256}" destId="{35FCA027-20E0-4C22-8FA3-FCB642C0C051}" srcOrd="2" destOrd="0" parTransId="{3E3B6578-A123-46D4-A0FD-BB258650647E}" sibTransId="{5500A8D2-2DA0-4230-82E7-93E3534670CD}"/>
     <dgm:cxn modelId="{14E8AD83-3514-401E-B9BC-39BFF80D95AF}" type="presParOf" srcId="{19D11876-6F17-424D-BACB-47A96D3DF1F7}" destId="{898F294B-C69B-4765-8B71-3FCD29A9BD4D}" srcOrd="0" destOrd="0" presId="urn:microsoft.com/office/officeart/2005/8/layout/chevron1"/>
     <dgm:cxn modelId="{3E898130-8526-462C-BE45-CA515C7833BC}" type="presParOf" srcId="{19D11876-6F17-424D-BACB-47A96D3DF1F7}" destId="{B45D67BA-99D6-4D19-A494-EE22F606F710}" srcOrd="1" destOrd="0" presId="urn:microsoft.com/office/officeart/2005/8/layout/chevron1"/>
     <dgm:cxn modelId="{B5D02B94-F7EC-4AEA-9BDE-7BD120167CFA}" type="presParOf" srcId="{19D11876-6F17-424D-BACB-47A96D3DF1F7}" destId="{3A07515E-7050-4DDA-AFBB-EDDA4F2854E7}" srcOrd="2" destOrd="0" presId="urn:microsoft.com/office/officeart/2005/8/layout/chevron1"/>
@@ -5238,15 +5234,7 @@
           </a:r>
           <a:r>
             <a:rPr lang="en-US" sz="2400" dirty="0" smtClean="0"/>
-            <a:t> </a:t>
-          </a:r>
-          <a:r>
-            <a:rPr lang="en-US" sz="2400" dirty="0" smtClean="0"/>
-            <a:t>(edit</a:t>
-          </a:r>
-          <a:r>
-            <a:rPr lang="en-US" sz="2400" dirty="0" smtClean="0"/>
-            <a:t>)</a:t>
+            <a:t> (edit)</a:t>
           </a:r>
           <a:endParaRPr lang="en-US" sz="2400" dirty="0"/>
         </a:p>
@@ -6206,7 +6194,7 @@
             </a:spcAft>
           </a:pPr>
           <a:r>
-            <a:rPr lang="en-US" sz="1200" kern="1200"/>
+            <a:rPr lang="en-US" sz="1200" kern="1200" dirty="0"/>
             <a:t>Constraints</a:t>
           </a:r>
         </a:p>
@@ -6459,11 +6447,7 @@
           </a:r>
           <a:r>
             <a:rPr lang="en-US" sz="1600" kern="1200" dirty="0" smtClean="0"/>
-            <a:t> </a:t>
-          </a:r>
-          <a:r>
-            <a:rPr lang="en-US" sz="1600" kern="1200" dirty="0" smtClean="0"/>
-            <a:t>(edit, change Identifiers)</a:t>
+            <a:t> (edit, change Identifiers)</a:t>
           </a:r>
           <a:endParaRPr lang="en-US" sz="1600" kern="1200" dirty="0"/>
         </a:p>
@@ -7115,15 +7099,7 @@
           </a:r>
           <a:r>
             <a:rPr lang="en-US" sz="2400" kern="1200" dirty="0" smtClean="0"/>
-            <a:t> </a:t>
-          </a:r>
-          <a:r>
-            <a:rPr lang="en-US" sz="2400" kern="1200" dirty="0" smtClean="0"/>
-            <a:t>(edit</a:t>
-          </a:r>
-          <a:r>
-            <a:rPr lang="en-US" sz="2400" kern="1200" dirty="0" smtClean="0"/>
-            <a:t>)</a:t>
+            <a:t> (edit)</a:t>
           </a:r>
           <a:endParaRPr lang="en-US" sz="2400" kern="1200" dirty="0"/>
         </a:p>
@@ -13930,7 +13906,7 @@
           <a:p>
             <a:fld id="{92318C2D-4A4F-4C4D-AEA4-5E6CBF993B13}" type="datetimeFigureOut">
               <a:rPr lang="de-DE" smtClean="0"/>
-              <a:t>12.06.2020</a:t>
+              <a:t>23.07.2020</a:t>
             </a:fld>
             <a:endParaRPr lang="de-DE"/>
           </a:p>
@@ -14100,7 +14076,7 @@
           <a:p>
             <a:fld id="{92318C2D-4A4F-4C4D-AEA4-5E6CBF993B13}" type="datetimeFigureOut">
               <a:rPr lang="de-DE" smtClean="0"/>
-              <a:t>12.06.2020</a:t>
+              <a:t>23.07.2020</a:t>
             </a:fld>
             <a:endParaRPr lang="de-DE"/>
           </a:p>
@@ -14280,7 +14256,7 @@
           <a:p>
             <a:fld id="{92318C2D-4A4F-4C4D-AEA4-5E6CBF993B13}" type="datetimeFigureOut">
               <a:rPr lang="de-DE" smtClean="0"/>
-              <a:t>12.06.2020</a:t>
+              <a:t>23.07.2020</a:t>
             </a:fld>
             <a:endParaRPr lang="de-DE"/>
           </a:p>
@@ -14450,7 +14426,7 @@
           <a:p>
             <a:fld id="{92318C2D-4A4F-4C4D-AEA4-5E6CBF993B13}" type="datetimeFigureOut">
               <a:rPr lang="de-DE" smtClean="0"/>
-              <a:t>12.06.2020</a:t>
+              <a:t>23.07.2020</a:t>
             </a:fld>
             <a:endParaRPr lang="de-DE"/>
           </a:p>
@@ -14696,7 +14672,7 @@
           <a:p>
             <a:fld id="{92318C2D-4A4F-4C4D-AEA4-5E6CBF993B13}" type="datetimeFigureOut">
               <a:rPr lang="de-DE" smtClean="0"/>
-              <a:t>12.06.2020</a:t>
+              <a:t>23.07.2020</a:t>
             </a:fld>
             <a:endParaRPr lang="de-DE"/>
           </a:p>
@@ -14928,7 +14904,7 @@
           <a:p>
             <a:fld id="{92318C2D-4A4F-4C4D-AEA4-5E6CBF993B13}" type="datetimeFigureOut">
               <a:rPr lang="de-DE" smtClean="0"/>
-              <a:t>12.06.2020</a:t>
+              <a:t>23.07.2020</a:t>
             </a:fld>
             <a:endParaRPr lang="de-DE"/>
           </a:p>
@@ -15295,7 +15271,7 @@
           <a:p>
             <a:fld id="{92318C2D-4A4F-4C4D-AEA4-5E6CBF993B13}" type="datetimeFigureOut">
               <a:rPr lang="de-DE" smtClean="0"/>
-              <a:t>12.06.2020</a:t>
+              <a:t>23.07.2020</a:t>
             </a:fld>
             <a:endParaRPr lang="de-DE"/>
           </a:p>
@@ -15413,7 +15389,7 @@
           <a:p>
             <a:fld id="{92318C2D-4A4F-4C4D-AEA4-5E6CBF993B13}" type="datetimeFigureOut">
               <a:rPr lang="de-DE" smtClean="0"/>
-              <a:t>12.06.2020</a:t>
+              <a:t>23.07.2020</a:t>
             </a:fld>
             <a:endParaRPr lang="de-DE"/>
           </a:p>
@@ -15508,7 +15484,7 @@
           <a:p>
             <a:fld id="{92318C2D-4A4F-4C4D-AEA4-5E6CBF993B13}" type="datetimeFigureOut">
               <a:rPr lang="de-DE" smtClean="0"/>
-              <a:t>12.06.2020</a:t>
+              <a:t>23.07.2020</a:t>
             </a:fld>
             <a:endParaRPr lang="de-DE"/>
           </a:p>
@@ -15785,7 +15761,7 @@
           <a:p>
             <a:fld id="{92318C2D-4A4F-4C4D-AEA4-5E6CBF993B13}" type="datetimeFigureOut">
               <a:rPr lang="de-DE" smtClean="0"/>
-              <a:t>12.06.2020</a:t>
+              <a:t>23.07.2020</a:t>
             </a:fld>
             <a:endParaRPr lang="de-DE"/>
           </a:p>
@@ -16038,7 +16014,7 @@
           <a:p>
             <a:fld id="{92318C2D-4A4F-4C4D-AEA4-5E6CBF993B13}" type="datetimeFigureOut">
               <a:rPr lang="de-DE" smtClean="0"/>
-              <a:t>12.06.2020</a:t>
+              <a:t>23.07.2020</a:t>
             </a:fld>
             <a:endParaRPr lang="de-DE"/>
           </a:p>
@@ -16251,7 +16227,7 @@
           <a:p>
             <a:fld id="{92318C2D-4A4F-4C4D-AEA4-5E6CBF993B13}" type="datetimeFigureOut">
               <a:rPr lang="de-DE" smtClean="0"/>
-              <a:t>12.06.2020</a:t>
+              <a:t>23.07.2020</a:t>
             </a:fld>
             <a:endParaRPr lang="de-DE"/>
           </a:p>
@@ -18634,7 +18610,6 @@
               <a:rPr lang="en-GB" sz="1400" dirty="0" smtClean="0"/>
               <a:t>flows. </a:t>
             </a:r>
-            <a:endParaRPr lang="en-GB" sz="1400" dirty="0" smtClean="0"/>
           </a:p>
           <a:p>
             <a:pPr marL="0" indent="0">
@@ -18692,11 +18667,7 @@
             </a:r>
             <a:r>
               <a:rPr lang="en-GB" sz="1400" dirty="0" smtClean="0"/>
-              <a:t>fields (starting with Cat.) are only required when generating Categorisations. </a:t>
-            </a:r>
-            <a:r>
-              <a:rPr lang="en-GB" sz="1400" dirty="0" smtClean="0"/>
-              <a:t>The </a:t>
+              <a:t>fields (starting with Cat.) are only required when generating Categorisations. The </a:t>
             </a:r>
             <a:r>
               <a:rPr lang="en-GB" sz="1400" dirty="0"/>
@@ -18720,35 +18691,89 @@
               <a:buNone/>
             </a:pPr>
             <a:r>
+              <a:rPr lang="en-GB" sz="1400" dirty="0" smtClean="0"/>
+              <a:t>The </a:t>
+            </a:r>
+            <a:r>
+              <a:rPr lang="en-GB" sz="1400" b="1" dirty="0" smtClean="0"/>
+              <a:t>Constraint ID</a:t>
+            </a:r>
+            <a:r>
+              <a:rPr lang="en-GB" sz="1400" dirty="0" smtClean="0"/>
+              <a:t> field allows you to manually specify the ID of the Constraint. If it is blank on generation, the ID is </a:t>
+            </a:r>
+            <a:r>
+              <a:rPr lang="en-GB" sz="1400" dirty="0" err="1" smtClean="0"/>
+              <a:t>autogenerated</a:t>
+            </a:r>
+            <a:r>
               <a:rPr lang="en-GB" sz="1400" dirty="0"/>
-              <a:t>To add a name and description language, add new columns for the required </a:t>
-            </a:r>
-            <a:r>
-              <a:rPr lang="en-GB" sz="1400" b="1" dirty="0"/>
-              <a:t>Name:&lt;language&gt; </a:t>
-            </a:r>
-            <a:r>
-              <a:rPr lang="en-GB" sz="1400" dirty="0"/>
-              <a:t>and </a:t>
-            </a:r>
-            <a:r>
-              <a:rPr lang="en-GB" sz="1400" b="1" dirty="0"/>
-              <a:t>Description:&lt;language&gt;</a:t>
-            </a:r>
-            <a:r>
-              <a:rPr lang="en-GB" sz="1400" dirty="0"/>
-              <a:t>, where &lt;language&gt; is a code from ISO </a:t>
+              <a:t> using </a:t>
             </a:r>
             <a:r>
               <a:rPr lang="en-GB" sz="1400" dirty="0" smtClean="0"/>
-              <a:t>639-1.</a:t>
-            </a:r>
+              <a:t>the </a:t>
+            </a:r>
+            <a:r>
+              <a:rPr lang="en-GB" sz="1400" b="1" dirty="0" smtClean="0"/>
+              <a:t>CR_&lt;Dataflow ID&gt;</a:t>
+            </a:r>
+            <a:r>
+              <a:rPr lang="en-GB" sz="1400" dirty="0" smtClean="0"/>
+              <a:t>. The Constraint’s agency and version always matches the Dataflow, and </a:t>
+            </a:r>
+            <a:r>
+              <a:rPr lang="en-GB" sz="1400" dirty="0" err="1" smtClean="0"/>
+              <a:t>isFinal</a:t>
+            </a:r>
+            <a:r>
+              <a:rPr lang="en-GB" sz="1400" dirty="0" smtClean="0"/>
+              <a:t> </a:t>
+            </a:r>
+            <a:r>
+              <a:rPr lang="en-GB" sz="1400" smtClean="0"/>
+              <a:t>is false.</a:t>
+            </a:r>
+            <a:endParaRPr lang="en-GB" sz="1400" b="1" dirty="0" smtClean="0"/>
           </a:p>
           <a:p>
             <a:pPr marL="0" indent="0">
               <a:buNone/>
             </a:pPr>
             <a:r>
+              <a:rPr lang="en-GB" sz="1400" dirty="0" smtClean="0"/>
+              <a:t>To </a:t>
+            </a:r>
+            <a:r>
+              <a:rPr lang="en-GB" sz="1400" dirty="0"/>
+              <a:t>add a name and description language, add new columns for the required </a:t>
+            </a:r>
+            <a:r>
+              <a:rPr lang="en-GB" sz="1400" b="1" dirty="0"/>
+              <a:t>Name:&lt;language&gt; </a:t>
+            </a:r>
+            <a:r>
+              <a:rPr lang="en-GB" sz="1400" dirty="0"/>
+              <a:t>and </a:t>
+            </a:r>
+            <a:r>
+              <a:rPr lang="en-GB" sz="1400" b="1" dirty="0"/>
+              <a:t>Description:&lt;language&gt;</a:t>
+            </a:r>
+            <a:r>
+              <a:rPr lang="en-GB" sz="1400" dirty="0"/>
+              <a:t>, where &lt;language&gt; is a code from ISO </a:t>
+            </a:r>
+            <a:r>
+              <a:rPr lang="en-GB" sz="1400" dirty="0" smtClean="0"/>
+              <a:t>639-1.</a:t>
+            </a:r>
+          </a:p>
+          <a:p>
+            <a:pPr marL="0" indent="0">
+              <a:buNone/>
+            </a:pPr>
+            <a:r>
               <a:rPr lang="en-GB" sz="1400" dirty="0"/>
               <a:t>The annotation columns, e.g. LAYOUT_ROW, </a:t>
             </a:r>
@@ -18784,28 +18809,14 @@
             </a:r>
             <a:r>
               <a:rPr lang="en-GB" sz="1400" dirty="0" smtClean="0"/>
-              <a:t> field, and several default ones are provided. More Annotations may be added by adding them horizontally in the </a:t>
-            </a:r>
+              <a:t> field, and several default ones are provided. More Annotations may be added by adding them horizontally in the header</a:t>
+            </a:r>
+          </a:p>
+          <a:p>
             <a:r>
               <a:rPr lang="en-GB" sz="1400" dirty="0" smtClean="0"/>
-              <a:t>header</a:t>
-            </a:r>
-            <a:endParaRPr lang="en-GB" sz="1400" dirty="0" smtClean="0"/>
-          </a:p>
-          <a:p>
-            <a:r>
-              <a:rPr lang="en-GB" sz="1400" dirty="0" smtClean="0"/>
-              <a:t>For a Data flow to use an Annotation, enter a value in the row for the Data flow underneath the Annotation </a:t>
-            </a:r>
-            <a:r>
-              <a:rPr lang="en-GB" sz="1400" dirty="0" smtClean="0"/>
-              <a:t>column</a:t>
-            </a:r>
-            <a:r>
-              <a:rPr lang="en-GB" sz="1400" dirty="0" smtClean="0"/>
-              <a:t>, otherwise an Annotation is not generated</a:t>
-            </a:r>
-            <a:endParaRPr lang="en-GB" sz="1400" dirty="0" smtClean="0"/>
+              <a:t>For a Data flow to use an Annotation, enter a value in the row for the Data flow underneath the Annotation column, otherwise an Annotation is not generated</a:t>
+            </a:r>
           </a:p>
           <a:p>
             <a:r>
@@ -20463,11 +20474,7 @@
           <a:p>
             <a:r>
               <a:rPr lang="en-US" dirty="0" smtClean="0"/>
-              <a:t>It </a:t>
-            </a:r>
-            <a:r>
-              <a:rPr lang="en-US" dirty="0" smtClean="0"/>
-              <a:t>can be </a:t>
+              <a:t>It can be </a:t>
             </a:r>
             <a:r>
               <a:rPr lang="en-US" dirty="0"/>
@@ -20656,19 +20663,11 @@
           <a:p>
             <a:r>
               <a:rPr lang="en-US" dirty="0" smtClean="0"/>
-              <a:t>The DSD’s Concept Scheme must be in </a:t>
-            </a:r>
-            <a:r>
-              <a:rPr lang="en-US" dirty="0" smtClean="0"/>
-              <a:t>the </a:t>
+              <a:t>The DSD’s Concept Scheme must be in the </a:t>
             </a:r>
             <a:r>
               <a:rPr lang="en-US" b="1" dirty="0" smtClean="0"/>
-              <a:t>3.Concept </a:t>
-            </a:r>
-            <a:r>
-              <a:rPr lang="en-US" b="1" dirty="0" smtClean="0"/>
-              <a:t>Scheme</a:t>
+              <a:t>3.Concept Scheme</a:t>
             </a:r>
             <a:r>
               <a:rPr lang="en-US" dirty="0" smtClean="0"/>
@@ -20708,11 +20707,7 @@
             </a:r>
             <a:r>
               <a:rPr lang="en-US" dirty="0" smtClean="0"/>
-              <a:t> </a:t>
-            </a:r>
-            <a:r>
-              <a:rPr lang="en-US" dirty="0" smtClean="0"/>
-              <a:t>worksheets</a:t>
+              <a:t> worksheets</a:t>
             </a:r>
           </a:p>
           <a:p>
@@ -20793,15 +20788,7 @@
           <a:p>
             <a:r>
               <a:rPr lang="en-GB" dirty="0" smtClean="0"/>
-              <a:t>This section shows some typical </a:t>
-            </a:r>
-            <a:r>
-              <a:rPr lang="en-GB" dirty="0" smtClean="0"/>
-              <a:t>use cases that apply to </a:t>
-            </a:r>
-            <a:r>
-              <a:rPr lang="en-GB" dirty="0" smtClean="0"/>
-              <a:t>using the SDMX Matrix Generator. See the later section on </a:t>
+              <a:t>This section shows some typical use cases that apply to using the SDMX Matrix Generator. See the later section on </a:t>
             </a:r>
             <a:r>
               <a:rPr lang="en-GB" b="1" dirty="0" smtClean="0"/>
@@ -21540,11 +21527,7 @@
             </a:pPr>
             <a:r>
               <a:rPr lang="en-US" sz="2000" dirty="0" smtClean="0"/>
-              <a:t>To </a:t>
-            </a:r>
-            <a:r>
-              <a:rPr lang="en-US" sz="2000" dirty="0" smtClean="0"/>
-              <a:t>customize a DSD, for example extend a global DSD to include local codes, do the following:</a:t>
+              <a:t>To customize a DSD, for example extend a global DSD to include local codes, do the following:</a:t>
             </a:r>
           </a:p>
           <a:p>
@@ -21562,19 +21545,11 @@
             </a:r>
             <a:r>
               <a:rPr lang="en-US" sz="2000" dirty="0" smtClean="0"/>
-              <a:t> worksheet to populate the matrix generator with the DSD. If the DSD is stored in </a:t>
-            </a:r>
-            <a:r>
-              <a:rPr lang="en-US" sz="2000" dirty="0" smtClean="0"/>
-              <a:t>a system with an SDMX REST API such as the Global Registry, put a query in the </a:t>
+              <a:t> worksheet to populate the matrix generator with the DSD. If the DSD is stored in a system with an SDMX REST API such as the Global Registry, put a query in the </a:t>
             </a:r>
             <a:r>
               <a:rPr lang="en-US" sz="2000" b="1" dirty="0" smtClean="0"/>
-              <a:t>REST </a:t>
-            </a:r>
-            <a:r>
-              <a:rPr lang="en-US" sz="2000" b="1" dirty="0" smtClean="0"/>
-              <a:t>API URL </a:t>
+              <a:t>REST API URL </a:t>
             </a:r>
             <a:r>
               <a:rPr lang="en-US" sz="2000" dirty="0" smtClean="0"/>
@@ -21647,11 +21622,7 @@
             </a:pPr>
             <a:r>
               <a:rPr lang="en-US" sz="2000" dirty="0" smtClean="0"/>
-              <a:t>Change the </a:t>
-            </a:r>
-            <a:r>
-              <a:rPr lang="en-US" sz="2000" dirty="0" smtClean="0"/>
-              <a:t>Codelist and DSD identifiers (</a:t>
+              <a:t>Change the Codelist and DSD identifiers (</a:t>
             </a:r>
             <a:r>
               <a:rPr lang="en-US" sz="2000" b="1" dirty="0" smtClean="0"/>
@@ -21683,15 +21654,7 @@
             </a:r>
             <a:r>
               <a:rPr lang="en-US" sz="2000" dirty="0" smtClean="0"/>
-              <a:t> </a:t>
-            </a:r>
-            <a:r>
-              <a:rPr lang="en-US" sz="2000" dirty="0" smtClean="0"/>
-              <a:t>fields) to </a:t>
-            </a:r>
-            <a:r>
-              <a:rPr lang="en-US" sz="2000" dirty="0" smtClean="0"/>
-              <a:t>reflect that you have taken ownership of the artefacts</a:t>
+              <a:t> fields) to reflect that you have taken ownership of the artefacts</a:t>
             </a:r>
           </a:p>
           <a:p>
@@ -22274,6 +22237,12 @@
 </file>
 
 <file path=customXml/item1.xml><?xml version="1.0" encoding="utf-8"?>
+<p:properties xmlns:p="http://schemas.microsoft.com/office/2006/metadata/properties" xmlns:xsi="http://www.w3.org/2001/XMLSchema-instance" xmlns:pc="http://schemas.microsoft.com/office/infopath/2007/PartnerControls">
+  <documentManagement/>
+</p:properties>
+</file>
+
+<file path=customXml/item2.xml><?xml version="1.0" encoding="utf-8"?>
 <ct:contentTypeSchema xmlns:ct="http://schemas.microsoft.com/office/2006/metadata/contentType" xmlns:ma="http://schemas.microsoft.com/office/2006/metadata/properties/metaAttributes" ct:_="" ma:_="" ma:contentTypeName="Document" ma:contentTypeID="0x010100B19E1A0713893144A00CC00F214B71AE" ma:contentTypeVersion="12" ma:contentTypeDescription="Crée un document." ma:contentTypeScope="" ma:versionID="f320d9b6cd89c9e2792e99ba94d6db05">
   <xsd:schema xmlns:xsd="http://www.w3.org/2001/XMLSchema" xmlns:xs="http://www.w3.org/2001/XMLSchema" xmlns:p="http://schemas.microsoft.com/office/2006/metadata/properties" xmlns:ns3="626d4039-44a3-4f34-a939-9e74c9a193d1" xmlns:ns4="607381c3-0f53-441d-8dd9-b46e64774622" targetNamespace="http://schemas.microsoft.com/office/2006/metadata/properties" ma:root="true" ma:fieldsID="535494a8f95013fed6ea1b4d445252b0" ns3:_="" ns4:_="">
     <xsd:import namespace="626d4039-44a3-4f34-a939-9e74c9a193d1"/>
@@ -22490,12 +22459,6 @@
 </ct:contentTypeSchema>
 </file>
 
-<file path=customXml/item2.xml><?xml version="1.0" encoding="utf-8"?>
-<p:properties xmlns:p="http://schemas.microsoft.com/office/2006/metadata/properties" xmlns:xsi="http://www.w3.org/2001/XMLSchema-instance" xmlns:pc="http://schemas.microsoft.com/office/infopath/2007/PartnerControls">
-  <documentManagement/>
-</p:properties>
-</file>
-
 <file path=customXml/item3.xml><?xml version="1.0" encoding="utf-8"?>
 <?mso-contentType ?>
 <FormTemplates xmlns="http://schemas.microsoft.com/sharepoint/v3/contenttype/forms">
@@ -22506,6 +22469,23 @@
 </file>
 
 <file path=customXml/itemProps1.xml><?xml version="1.0" encoding="utf-8"?>
+<ds:datastoreItem xmlns:ds="http://schemas.openxmlformats.org/officeDocument/2006/customXml" ds:itemID="{9AC980C5-8878-4068-AFEA-A29CB527EB66}">
+  <ds:schemaRefs>
+    <ds:schemaRef ds:uri="http://schemas.microsoft.com/office/infopath/2007/PartnerControls"/>
+    <ds:schemaRef ds:uri="626d4039-44a3-4f34-a939-9e74c9a193d1"/>
+    <ds:schemaRef ds:uri="http://purl.org/dc/elements/1.1/"/>
+    <ds:schemaRef ds:uri="http://schemas.microsoft.com/office/2006/metadata/properties"/>
+    <ds:schemaRef ds:uri="http://schemas.microsoft.com/office/2006/documentManagement/types"/>
+    <ds:schemaRef ds:uri="http://purl.org/dc/terms/"/>
+    <ds:schemaRef ds:uri="607381c3-0f53-441d-8dd9-b46e64774622"/>
+    <ds:schemaRef ds:uri="http://purl.org/dc/dcmitype/"/>
+    <ds:schemaRef ds:uri="http://schemas.openxmlformats.org/package/2006/metadata/core-properties"/>
+    <ds:schemaRef ds:uri="http://www.w3.org/XML/1998/namespace"/>
+  </ds:schemaRefs>
+</ds:datastoreItem>
+</file>
+
+<file path=customXml/itemProps2.xml><?xml version="1.0" encoding="utf-8"?>
 <ds:datastoreItem xmlns:ds="http://schemas.openxmlformats.org/officeDocument/2006/customXml" ds:itemID="{5FE6498F-712E-43F2-B17E-0E50CB30D53F}">
   <ds:schemaRefs>
     <ds:schemaRef ds:uri="http://schemas.microsoft.com/office/2006/metadata/contentType"/>
@@ -22524,23 +22504,6 @@
 </ds:datastoreItem>
 </file>
 
-<file path=customXml/itemProps2.xml><?xml version="1.0" encoding="utf-8"?>
-<ds:datastoreItem xmlns:ds="http://schemas.openxmlformats.org/officeDocument/2006/customXml" ds:itemID="{9AC980C5-8878-4068-AFEA-A29CB527EB66}">
-  <ds:schemaRefs>
-    <ds:schemaRef ds:uri="http://schemas.microsoft.com/office/2006/documentManagement/types"/>
-    <ds:schemaRef ds:uri="626d4039-44a3-4f34-a939-9e74c9a193d1"/>
-    <ds:schemaRef ds:uri="http://purl.org/dc/elements/1.1/"/>
-    <ds:schemaRef ds:uri="http://schemas.microsoft.com/office/2006/metadata/properties"/>
-    <ds:schemaRef ds:uri="http://purl.org/dc/terms/"/>
-    <ds:schemaRef ds:uri="607381c3-0f53-441d-8dd9-b46e64774622"/>
-    <ds:schemaRef ds:uri="http://purl.org/dc/dcmitype/"/>
-    <ds:schemaRef ds:uri="http://schemas.microsoft.com/office/infopath/2007/PartnerControls"/>
-    <ds:schemaRef ds:uri="http://schemas.openxmlformats.org/package/2006/metadata/core-properties"/>
-    <ds:schemaRef ds:uri="http://www.w3.org/XML/1998/namespace"/>
-  </ds:schemaRefs>
-</ds:datastoreItem>
-</file>
-
 <file path=customXml/itemProps3.xml><?xml version="1.0" encoding="utf-8"?>
 <ds:datastoreItem xmlns:ds="http://schemas.openxmlformats.org/officeDocument/2006/customXml" ds:itemID="{93EF0B64-D188-4030-9FB6-D7F408416CE6}">
   <ds:schemaRefs>

--- a/SDMX Matrix Generator User Guide.pptx
+++ b/SDMX Matrix Generator User Guide.pptx
@@ -13906,7 +13906,7 @@
           <a:p>
             <a:fld id="{92318C2D-4A4F-4C4D-AEA4-5E6CBF993B13}" type="datetimeFigureOut">
               <a:rPr lang="de-DE" smtClean="0"/>
-              <a:t>23.07.2020</a:t>
+              <a:t>23.11.2020</a:t>
             </a:fld>
             <a:endParaRPr lang="de-DE"/>
           </a:p>
@@ -14076,7 +14076,7 @@
           <a:p>
             <a:fld id="{92318C2D-4A4F-4C4D-AEA4-5E6CBF993B13}" type="datetimeFigureOut">
               <a:rPr lang="de-DE" smtClean="0"/>
-              <a:t>23.07.2020</a:t>
+              <a:t>23.11.2020</a:t>
             </a:fld>
             <a:endParaRPr lang="de-DE"/>
           </a:p>
@@ -14256,7 +14256,7 @@
           <a:p>
             <a:fld id="{92318C2D-4A4F-4C4D-AEA4-5E6CBF993B13}" type="datetimeFigureOut">
               <a:rPr lang="de-DE" smtClean="0"/>
-              <a:t>23.07.2020</a:t>
+              <a:t>23.11.2020</a:t>
             </a:fld>
             <a:endParaRPr lang="de-DE"/>
           </a:p>
@@ -14426,7 +14426,7 @@
           <a:p>
             <a:fld id="{92318C2D-4A4F-4C4D-AEA4-5E6CBF993B13}" type="datetimeFigureOut">
               <a:rPr lang="de-DE" smtClean="0"/>
-              <a:t>23.07.2020</a:t>
+              <a:t>23.11.2020</a:t>
             </a:fld>
             <a:endParaRPr lang="de-DE"/>
           </a:p>
@@ -14672,7 +14672,7 @@
           <a:p>
             <a:fld id="{92318C2D-4A4F-4C4D-AEA4-5E6CBF993B13}" type="datetimeFigureOut">
               <a:rPr lang="de-DE" smtClean="0"/>
-              <a:t>23.07.2020</a:t>
+              <a:t>23.11.2020</a:t>
             </a:fld>
             <a:endParaRPr lang="de-DE"/>
           </a:p>
@@ -14904,7 +14904,7 @@
           <a:p>
             <a:fld id="{92318C2D-4A4F-4C4D-AEA4-5E6CBF993B13}" type="datetimeFigureOut">
               <a:rPr lang="de-DE" smtClean="0"/>
-              <a:t>23.07.2020</a:t>
+              <a:t>23.11.2020</a:t>
             </a:fld>
             <a:endParaRPr lang="de-DE"/>
           </a:p>
@@ -15271,7 +15271,7 @@
           <a:p>
             <a:fld id="{92318C2D-4A4F-4C4D-AEA4-5E6CBF993B13}" type="datetimeFigureOut">
               <a:rPr lang="de-DE" smtClean="0"/>
-              <a:t>23.07.2020</a:t>
+              <a:t>23.11.2020</a:t>
             </a:fld>
             <a:endParaRPr lang="de-DE"/>
           </a:p>
@@ -15389,7 +15389,7 @@
           <a:p>
             <a:fld id="{92318C2D-4A4F-4C4D-AEA4-5E6CBF993B13}" type="datetimeFigureOut">
               <a:rPr lang="de-DE" smtClean="0"/>
-              <a:t>23.07.2020</a:t>
+              <a:t>23.11.2020</a:t>
             </a:fld>
             <a:endParaRPr lang="de-DE"/>
           </a:p>
@@ -15484,7 +15484,7 @@
           <a:p>
             <a:fld id="{92318C2D-4A4F-4C4D-AEA4-5E6CBF993B13}" type="datetimeFigureOut">
               <a:rPr lang="de-DE" smtClean="0"/>
-              <a:t>23.07.2020</a:t>
+              <a:t>23.11.2020</a:t>
             </a:fld>
             <a:endParaRPr lang="de-DE"/>
           </a:p>
@@ -15761,7 +15761,7 @@
           <a:p>
             <a:fld id="{92318C2D-4A4F-4C4D-AEA4-5E6CBF993B13}" type="datetimeFigureOut">
               <a:rPr lang="de-DE" smtClean="0"/>
-              <a:t>23.07.2020</a:t>
+              <a:t>23.11.2020</a:t>
             </a:fld>
             <a:endParaRPr lang="de-DE"/>
           </a:p>
@@ -16014,7 +16014,7 @@
           <a:p>
             <a:fld id="{92318C2D-4A4F-4C4D-AEA4-5E6CBF993B13}" type="datetimeFigureOut">
               <a:rPr lang="de-DE" smtClean="0"/>
-              <a:t>23.07.2020</a:t>
+              <a:t>23.11.2020</a:t>
             </a:fld>
             <a:endParaRPr lang="de-DE"/>
           </a:p>
@@ -16227,7 +16227,7 @@
           <a:p>
             <a:fld id="{92318C2D-4A4F-4C4D-AEA4-5E6CBF993B13}" type="datetimeFigureOut">
               <a:rPr lang="de-DE" smtClean="0"/>
-              <a:t>23.07.2020</a:t>
+              <a:t>23.11.2020</a:t>
             </a:fld>
             <a:endParaRPr lang="de-DE"/>
           </a:p>
@@ -18390,7 +18390,7 @@
         <p:spPr/>
         <p:txBody>
           <a:bodyPr>
-            <a:normAutofit lnSpcReduction="10000"/>
+            <a:normAutofit fontScale="62500" lnSpcReduction="20000"/>
           </a:bodyPr>
           <a:lstStyle/>
           <a:p>
@@ -18492,6 +18492,112 @@
               <a:rPr lang="en-GB" dirty="0" smtClean="0"/>
               <a:t> worksheet.</a:t>
             </a:r>
+          </a:p>
+          <a:p>
+            <a:pPr marL="0" indent="0">
+              <a:buNone/>
+            </a:pPr>
+            <a:r>
+              <a:rPr lang="en-GB" dirty="0" smtClean="0"/>
+              <a:t>Annotations may be added to the DSDs</a:t>
+            </a:r>
+            <a:endParaRPr lang="en-GB" dirty="0"/>
+          </a:p>
+          <a:p>
+            <a:r>
+              <a:rPr lang="en-GB" dirty="0"/>
+              <a:t>Annotations are optional and </a:t>
+            </a:r>
+            <a:r>
+              <a:rPr lang="en-GB" dirty="0" smtClean="0"/>
+              <a:t>may be added to </a:t>
+            </a:r>
+            <a:r>
+              <a:rPr lang="en-GB" dirty="0"/>
+              <a:t>the </a:t>
+            </a:r>
+            <a:r>
+              <a:rPr lang="en-GB" dirty="0" smtClean="0"/>
+              <a:t>columns to the right </a:t>
+            </a:r>
+            <a:r>
+              <a:rPr lang="en-GB" dirty="0"/>
+              <a:t>of the </a:t>
+            </a:r>
+            <a:r>
+              <a:rPr lang="en-GB" dirty="0" smtClean="0"/>
+              <a:t>last </a:t>
+            </a:r>
+            <a:r>
+              <a:rPr lang="en-GB" b="1" dirty="0" smtClean="0"/>
+              <a:t>Description </a:t>
+            </a:r>
+            <a:r>
+              <a:rPr lang="en-GB" dirty="0" smtClean="0"/>
+              <a:t>field. </a:t>
+            </a:r>
+            <a:endParaRPr lang="en-GB" dirty="0"/>
+          </a:p>
+          <a:p>
+            <a:r>
+              <a:rPr lang="en-GB" dirty="0"/>
+              <a:t>For a </a:t>
+            </a:r>
+            <a:r>
+              <a:rPr lang="en-GB" dirty="0" smtClean="0"/>
+              <a:t>DSD </a:t>
+            </a:r>
+            <a:r>
+              <a:rPr lang="en-GB" dirty="0"/>
+              <a:t>to use an Annotation, enter a value in the row for the </a:t>
+            </a:r>
+            <a:r>
+              <a:rPr lang="en-GB" dirty="0" smtClean="0"/>
+              <a:t>DSD </a:t>
+            </a:r>
+            <a:r>
+              <a:rPr lang="en-GB" dirty="0"/>
+              <a:t>underneath the Annotation column, otherwise an Annotation is not generated</a:t>
+            </a:r>
+          </a:p>
+          <a:p>
+            <a:r>
+              <a:rPr lang="en-GB" dirty="0" smtClean="0"/>
+              <a:t>It is recommended to add comments to an Annotation’s header column </a:t>
+            </a:r>
+            <a:r>
+              <a:rPr lang="en-GB" dirty="0"/>
+              <a:t>to explain it</a:t>
+            </a:r>
+          </a:p>
+          <a:p>
+            <a:r>
+              <a:rPr lang="en-GB" dirty="0" smtClean="0"/>
+              <a:t>The </a:t>
+            </a:r>
+            <a:r>
+              <a:rPr lang="en-GB" dirty="0"/>
+              <a:t>Annotation header is generated as the </a:t>
+            </a:r>
+            <a:r>
+              <a:rPr lang="en-GB" b="1" dirty="0" err="1"/>
+              <a:t>AnnotationType</a:t>
+            </a:r>
+            <a:r>
+              <a:rPr lang="en-GB" dirty="0"/>
+              <a:t>, and the cell value is the </a:t>
+            </a:r>
+            <a:r>
+              <a:rPr lang="en-GB" b="1" dirty="0" err="1"/>
+              <a:t>AnnotationTitle</a:t>
+            </a:r>
+            <a:endParaRPr lang="en-GB" b="1" dirty="0"/>
+          </a:p>
+          <a:p>
+            <a:pPr marL="0" indent="0">
+              <a:buNone/>
+            </a:pPr>
+            <a:endParaRPr lang="en-GB" dirty="0" smtClean="0"/>
           </a:p>
           <a:p>
             <a:pPr marL="0" indent="0">
@@ -18728,11 +18834,7 @@
             </a:r>
             <a:r>
               <a:rPr lang="en-GB" sz="1400" dirty="0" smtClean="0"/>
-              <a:t> </a:t>
-            </a:r>
-            <a:r>
-              <a:rPr lang="en-GB" sz="1400" smtClean="0"/>
-              <a:t>is false.</a:t>
+              <a:t> is false.</a:t>
             </a:r>
             <a:endParaRPr lang="en-GB" sz="1400" b="1" dirty="0" smtClean="0"/>
           </a:p>
@@ -18959,7 +19061,12 @@
             <p:ph idx="1"/>
           </p:nvPr>
         </p:nvSpPr>
-        <p:spPr/>
+        <p:spPr>
+          <a:xfrm>
+            <a:off x="838200" y="1825625"/>
+            <a:ext cx="10515600" cy="4500360"/>
+          </a:xfrm>
+        </p:spPr>
         <p:txBody>
           <a:bodyPr>
             <a:normAutofit fontScale="85000" lnSpcReduction="20000"/>
@@ -19108,6 +19215,12 @@
               <a:rPr lang="en-GB" b="1" dirty="0" smtClean="0"/>
               <a:t>Log file</a:t>
             </a:r>
+          </a:p>
+          <a:p>
+            <a:pPr marL="0" indent="0">
+              <a:buNone/>
+            </a:pPr>
+            <a:endParaRPr lang="en-GB" dirty="0"/>
           </a:p>
           <a:p>
             <a:pPr marL="0" indent="0">
@@ -19235,16 +19348,25 @@
             </a:pPr>
             <a:r>
               <a:rPr lang="en-GB" dirty="0" smtClean="0"/>
-              <a:t>There is one worksheet for each Codelist. A Codelist worksheet must have the Id of the Codelist CL_&lt;</a:t>
+              <a:t>A Codelist worksheet must have the Id of the Codelist CL_&lt;</a:t>
             </a:r>
             <a:r>
               <a:rPr lang="en-GB" i="1" dirty="0" smtClean="0"/>
               <a:t>Concept</a:t>
             </a:r>
             <a:r>
-              <a:rPr lang="en-GB" dirty="0" smtClean="0"/>
-              <a:t>&gt;.</a:t>
-            </a:r>
+              <a:rPr lang="en-GB" dirty="0"/>
+              <a:t>&gt;. There is one worksheet for each </a:t>
+            </a:r>
+            <a:r>
+              <a:rPr lang="en-GB" dirty="0" err="1"/>
+              <a:t>Codelist</a:t>
+            </a:r>
+            <a:r>
+              <a:rPr lang="en-GB" dirty="0"/>
+              <a:t>. </a:t>
+            </a:r>
+            <a:endParaRPr lang="en-GB" dirty="0" smtClean="0"/>
           </a:p>
           <a:p>
             <a:pPr marL="0" indent="0">
@@ -19258,7 +19380,15 @@
           <a:p>
             <a:r>
               <a:rPr lang="en-GB" dirty="0" smtClean="0"/>
-              <a:t>Prefilling existing </a:t>
+              <a:t>By using the step </a:t>
+            </a:r>
+            <a:r>
+              <a:rPr lang="en-GB" b="1" dirty="0" smtClean="0"/>
+              <a:t>1.Prefill</a:t>
+            </a:r>
+            <a:r>
+              <a:rPr lang="en-GB" dirty="0" smtClean="0"/>
+              <a:t> to load SDMX-ML describing existing </a:t>
             </a:r>
             <a:r>
               <a:rPr lang="en-GB" dirty="0" err="1" smtClean="0"/>
@@ -19306,6 +19436,16 @@
               <a:rPr lang="en-GB" dirty="0" smtClean="0"/>
               <a:t>&gt;.</a:t>
             </a:r>
+          </a:p>
+          <a:p>
+            <a:pPr marL="0" indent="0">
+              <a:buNone/>
+            </a:pPr>
+            <a:endParaRPr lang="en-GB" dirty="0" smtClean="0">
+              <a:solidFill>
+                <a:schemeClr val="dk1"/>
+              </a:solidFill>
+            </a:endParaRPr>
           </a:p>
           <a:p>
             <a:pPr marL="0" indent="0">
@@ -19544,10 +19684,15 @@
             <p:ph idx="1"/>
           </p:nvPr>
         </p:nvSpPr>
-        <p:spPr/>
+        <p:spPr>
+          <a:xfrm>
+            <a:off x="838200" y="1825624"/>
+            <a:ext cx="10515600" cy="4616739"/>
+          </a:xfrm>
+        </p:spPr>
         <p:txBody>
           <a:bodyPr>
-            <a:normAutofit fontScale="70000" lnSpcReduction="20000"/>
+            <a:noAutofit/>
           </a:bodyPr>
           <a:lstStyle/>
           <a:p>
@@ -19555,196 +19700,834 @@
               <a:buNone/>
             </a:pPr>
             <a:r>
-              <a:rPr lang="en-GB" dirty="0"/>
+              <a:rPr lang="en-GB" sz="1100" dirty="0"/>
               <a:t>The </a:t>
             </a:r>
             <a:r>
-              <a:rPr lang="en-GB" b="1" dirty="0"/>
+              <a:rPr lang="en-GB" sz="1100" b="1" dirty="0"/>
               <a:t>CODELIST ITEMS </a:t>
             </a:r>
             <a:r>
-              <a:rPr lang="en-GB" dirty="0"/>
+              <a:rPr lang="en-GB" sz="1100" dirty="0"/>
               <a:t>section is used to define the codes, one on each row:</a:t>
             </a:r>
           </a:p>
           <a:p>
             <a:r>
-              <a:rPr lang="en-GB" dirty="0"/>
+              <a:rPr lang="en-GB" sz="1100" dirty="0"/>
               <a:t>The </a:t>
             </a:r>
             <a:r>
-              <a:rPr lang="en-GB" b="1" dirty="0" err="1"/>
+              <a:rPr lang="en-GB" sz="1100" b="1" dirty="0" err="1"/>
               <a:t>ParentCode</a:t>
             </a:r>
             <a:r>
-              <a:rPr lang="en-GB" b="1" dirty="0"/>
+              <a:rPr lang="en-GB" sz="1100" b="1" dirty="0"/>
               <a:t> </a:t>
             </a:r>
             <a:r>
-              <a:rPr lang="en-GB" dirty="0"/>
+              <a:rPr lang="en-GB" sz="1100" dirty="0"/>
               <a:t>is used to define a hierarchy by indicating the parent Code for this code; if the Code is at the top level or if the Codelist has no hierarchy, leave it blank</a:t>
             </a:r>
           </a:p>
           <a:p>
             <a:r>
-              <a:rPr lang="en-GB" dirty="0"/>
+              <a:rPr lang="en-GB" sz="1100" dirty="0"/>
               <a:t>The </a:t>
             </a:r>
             <a:r>
-              <a:rPr lang="en-GB" b="1" dirty="0"/>
+              <a:rPr lang="en-GB" sz="1100" b="1" dirty="0"/>
               <a:t>Order:&lt;language&gt; </a:t>
             </a:r>
             <a:r>
-              <a:rPr lang="en-GB" dirty="0"/>
+              <a:rPr lang="en-GB" sz="1100" dirty="0"/>
               <a:t>column is used to specify the localised order of the Code in the Codelist relative to the Code's siblings (the Order restarts on each new branch). It is useful to leave a gap in the order number in case it is required to add a code, using 10s for example</a:t>
             </a:r>
           </a:p>
           <a:p>
             <a:r>
-              <a:rPr lang="en-GB" dirty="0" smtClean="0"/>
+              <a:rPr lang="en-GB" sz="1100" dirty="0"/>
+              <a:t>A code may have multiple sets of </a:t>
+            </a:r>
+            <a:r>
+              <a:rPr lang="en-GB" sz="1100" b="1" dirty="0"/>
+              <a:t>Name</a:t>
+            </a:r>
+            <a:r>
+              <a:rPr lang="en-GB" sz="1100" dirty="0"/>
+              <a:t> and </a:t>
+            </a:r>
+            <a:r>
+              <a:rPr lang="en-GB" sz="1100" b="1" dirty="0"/>
+              <a:t>Description</a:t>
+            </a:r>
+            <a:r>
+              <a:rPr lang="en-GB" sz="1100" dirty="0"/>
+              <a:t>. To add another language, insert two new columns for the required </a:t>
+            </a:r>
+            <a:r>
+              <a:rPr lang="en-GB" sz="1100" b="1" dirty="0"/>
+              <a:t>Name</a:t>
+            </a:r>
+            <a:r>
+              <a:rPr lang="en-GB" sz="1100" dirty="0"/>
+              <a:t>:&lt;language&gt; and </a:t>
+            </a:r>
+            <a:r>
+              <a:rPr lang="en-GB" sz="1100" b="1" dirty="0"/>
+              <a:t>Description</a:t>
+            </a:r>
+            <a:r>
+              <a:rPr lang="en-GB" sz="1100" dirty="0"/>
+              <a:t>:&lt;language&gt;, where &lt;language&gt; is a code from ISO 639-1.</a:t>
+            </a:r>
+          </a:p>
+          <a:p>
+            <a:r>
+              <a:rPr lang="en-GB" sz="1100" dirty="0" smtClean="0"/>
               <a:t>The </a:t>
             </a:r>
             <a:r>
-              <a:rPr lang="en-GB" b="1" dirty="0"/>
+              <a:rPr lang="en-GB" sz="1100" b="1" dirty="0"/>
               <a:t>Annotations</a:t>
             </a:r>
             <a:r>
-              <a:rPr lang="en-GB" dirty="0"/>
-              <a:t> column may be used to associate one or a collection of code-based Annotations. The full SDMX Annotation model is supported, the syntax is JSON-based and is: [{"</a:t>
-            </a:r>
-            <a:r>
-              <a:rPr lang="en-GB" b="1" dirty="0"/>
-              <a:t>Id</a:t>
-            </a:r>
-            <a:r>
-              <a:rPr lang="en-GB" dirty="0"/>
-              <a:t>":"id1","</a:t>
-            </a:r>
-            <a:r>
-              <a:rPr lang="en-GB" b="1" dirty="0"/>
-              <a:t>Title</a:t>
-            </a:r>
-            <a:r>
-              <a:rPr lang="en-GB" dirty="0"/>
-              <a:t>":"title1","</a:t>
-            </a:r>
-            <a:r>
-              <a:rPr lang="en-GB" b="1" dirty="0"/>
-              <a:t>Type</a:t>
-            </a:r>
-            <a:r>
-              <a:rPr lang="en-GB" dirty="0"/>
-              <a:t>":"type1","</a:t>
-            </a:r>
-            <a:r>
-              <a:rPr lang="en-GB" b="1" dirty="0"/>
-              <a:t>URL</a:t>
-            </a:r>
-            <a:r>
-              <a:rPr lang="en-GB" dirty="0"/>
-              <a:t>":"http://1.org","</a:t>
-            </a:r>
-            <a:r>
-              <a:rPr lang="en-GB" b="1" dirty="0"/>
-              <a:t>Text</a:t>
-            </a:r>
-            <a:r>
-              <a:rPr lang="en-GB" dirty="0"/>
-              <a:t>":[{"</a:t>
-            </a:r>
-            <a:r>
-              <a:rPr lang="en-GB" b="1" dirty="0"/>
-              <a:t>Locale</a:t>
-            </a:r>
-            <a:r>
-              <a:rPr lang="en-GB" dirty="0"/>
-              <a:t>":"</a:t>
-            </a:r>
-            <a:r>
-              <a:rPr lang="en-GB" dirty="0" err="1"/>
-              <a:t>en</a:t>
-            </a:r>
-            <a:r>
-              <a:rPr lang="en-GB" dirty="0"/>
-              <a:t>","</a:t>
-            </a:r>
-            <a:r>
-              <a:rPr lang="en-GB" b="1" dirty="0"/>
-              <a:t>Label</a:t>
-            </a:r>
-            <a:r>
-              <a:rPr lang="en-GB" dirty="0"/>
-              <a:t>":"</a:t>
-            </a:r>
-            <a:r>
-              <a:rPr lang="en-GB" dirty="0" err="1"/>
-              <a:t>textEn</a:t>
-            </a:r>
-            <a:r>
-              <a:rPr lang="en-GB" dirty="0"/>
-              <a:t>"}]}]. The keywords are in bold, the values (to replace) are in green. Note that certain elements are optional such as Id, Title and URL. An example is included with multiple </a:t>
-            </a:r>
-            <a:r>
-              <a:rPr lang="en-GB" dirty="0" smtClean="0"/>
-              <a:t>languages</a:t>
-            </a:r>
-          </a:p>
-          <a:p>
-            <a:r>
-              <a:rPr lang="en-GB" dirty="0"/>
-              <a:t>A code may have multiple </a:t>
-            </a:r>
-            <a:r>
-              <a:rPr lang="en-GB" dirty="0" smtClean="0"/>
-              <a:t>sets of </a:t>
-            </a:r>
-            <a:r>
-              <a:rPr lang="en-GB" b="1" dirty="0" smtClean="0"/>
-              <a:t>Name</a:t>
-            </a:r>
-            <a:r>
-              <a:rPr lang="en-GB" dirty="0" smtClean="0"/>
-              <a:t> </a:t>
-            </a:r>
-            <a:r>
-              <a:rPr lang="en-GB" dirty="0"/>
-              <a:t>and </a:t>
-            </a:r>
-            <a:r>
-              <a:rPr lang="en-GB" b="1" dirty="0"/>
-              <a:t>Description</a:t>
-            </a:r>
-            <a:r>
-              <a:rPr lang="en-GB" dirty="0"/>
-              <a:t>. To add another language, insert two new columns for the required </a:t>
-            </a:r>
-            <a:r>
-              <a:rPr lang="en-GB" b="1" dirty="0"/>
-              <a:t>Name</a:t>
-            </a:r>
-            <a:r>
-              <a:rPr lang="en-GB" dirty="0"/>
-              <a:t>:&lt;language&gt; and </a:t>
-            </a:r>
-            <a:r>
-              <a:rPr lang="en-GB" b="1" dirty="0"/>
-              <a:t>Description</a:t>
-            </a:r>
-            <a:r>
-              <a:rPr lang="en-GB" dirty="0"/>
-              <a:t>:&lt;language&gt;, where &lt;language&gt; is a code from ISO 639-1</a:t>
-            </a:r>
-            <a:r>
-              <a:rPr lang="en-GB" dirty="0" smtClean="0"/>
-              <a:t>.</a:t>
-            </a:r>
+              <a:rPr lang="en-GB" sz="1100" dirty="0"/>
+              <a:t> column may be used to associate one or a collection of code-based Annotations. The full SDMX Annotation model is supported, the syntax is JSON-based and is: </a:t>
+            </a:r>
+            <a:endParaRPr lang="en-GB" sz="1100" dirty="0" smtClean="0"/>
           </a:p>
           <a:p>
             <a:pPr marL="0" indent="0">
               <a:buNone/>
             </a:pPr>
             <a:r>
-              <a:rPr lang="en-GB" dirty="0" smtClean="0"/>
+              <a:rPr lang="en-GB" sz="1100" dirty="0" smtClean="0"/>
+              <a:t>	</a:t>
+            </a:r>
+            <a:r>
+              <a:rPr lang="en-GB" sz="900" dirty="0" smtClean="0">
+                <a:latin typeface="Courier New" panose="02070309020205020404" pitchFamily="49" charset="0"/>
+                <a:cs typeface="Courier New" panose="02070309020205020404" pitchFamily="49" charset="0"/>
+              </a:rPr>
+              <a:t>[{"</a:t>
+            </a:r>
+            <a:r>
+              <a:rPr lang="en-GB" sz="900" b="1" dirty="0">
+                <a:latin typeface="Courier New" panose="02070309020205020404" pitchFamily="49" charset="0"/>
+                <a:cs typeface="Courier New" panose="02070309020205020404" pitchFamily="49" charset="0"/>
+              </a:rPr>
+              <a:t>Id</a:t>
+            </a:r>
+            <a:r>
+              <a:rPr lang="en-GB" sz="900" dirty="0">
+                <a:latin typeface="Courier New" panose="02070309020205020404" pitchFamily="49" charset="0"/>
+                <a:cs typeface="Courier New" panose="02070309020205020404" pitchFamily="49" charset="0"/>
+              </a:rPr>
+              <a:t>":"</a:t>
+            </a:r>
+            <a:r>
+              <a:rPr lang="en-GB" sz="900" dirty="0">
+                <a:solidFill>
+                  <a:schemeClr val="accent6">
+                    <a:lumMod val="75000"/>
+                  </a:schemeClr>
+                </a:solidFill>
+                <a:latin typeface="Courier New" panose="02070309020205020404" pitchFamily="49" charset="0"/>
+                <a:cs typeface="Courier New" panose="02070309020205020404" pitchFamily="49" charset="0"/>
+              </a:rPr>
+              <a:t>id1</a:t>
+            </a:r>
+            <a:r>
+              <a:rPr lang="en-GB" sz="900" dirty="0">
+                <a:latin typeface="Courier New" panose="02070309020205020404" pitchFamily="49" charset="0"/>
+                <a:cs typeface="Courier New" panose="02070309020205020404" pitchFamily="49" charset="0"/>
+              </a:rPr>
+              <a:t>","</a:t>
+            </a:r>
+            <a:r>
+              <a:rPr lang="en-GB" sz="900" b="1" dirty="0">
+                <a:latin typeface="Courier New" panose="02070309020205020404" pitchFamily="49" charset="0"/>
+                <a:cs typeface="Courier New" panose="02070309020205020404" pitchFamily="49" charset="0"/>
+              </a:rPr>
+              <a:t>Title</a:t>
+            </a:r>
+            <a:r>
+              <a:rPr lang="en-GB" sz="900" dirty="0">
+                <a:latin typeface="Courier New" panose="02070309020205020404" pitchFamily="49" charset="0"/>
+                <a:cs typeface="Courier New" panose="02070309020205020404" pitchFamily="49" charset="0"/>
+              </a:rPr>
+              <a:t>":"</a:t>
+            </a:r>
+            <a:r>
+              <a:rPr lang="en-GB" sz="900" dirty="0">
+                <a:solidFill>
+                  <a:schemeClr val="accent6">
+                    <a:lumMod val="75000"/>
+                  </a:schemeClr>
+                </a:solidFill>
+                <a:latin typeface="Courier New" panose="02070309020205020404" pitchFamily="49" charset="0"/>
+                <a:cs typeface="Courier New" panose="02070309020205020404" pitchFamily="49" charset="0"/>
+              </a:rPr>
+              <a:t>title1</a:t>
+            </a:r>
+            <a:r>
+              <a:rPr lang="en-GB" sz="900" dirty="0">
+                <a:latin typeface="Courier New" panose="02070309020205020404" pitchFamily="49" charset="0"/>
+                <a:cs typeface="Courier New" panose="02070309020205020404" pitchFamily="49" charset="0"/>
+              </a:rPr>
+              <a:t>","</a:t>
+            </a:r>
+            <a:r>
+              <a:rPr lang="en-GB" sz="900" b="1" dirty="0">
+                <a:latin typeface="Courier New" panose="02070309020205020404" pitchFamily="49" charset="0"/>
+                <a:cs typeface="Courier New" panose="02070309020205020404" pitchFamily="49" charset="0"/>
+              </a:rPr>
+              <a:t>Type</a:t>
+            </a:r>
+            <a:r>
+              <a:rPr lang="en-GB" sz="900" dirty="0">
+                <a:latin typeface="Courier New" panose="02070309020205020404" pitchFamily="49" charset="0"/>
+                <a:cs typeface="Courier New" panose="02070309020205020404" pitchFamily="49" charset="0"/>
+              </a:rPr>
+              <a:t>":"</a:t>
+            </a:r>
+            <a:r>
+              <a:rPr lang="en-GB" sz="900" dirty="0">
+                <a:solidFill>
+                  <a:schemeClr val="accent6">
+                    <a:lumMod val="75000"/>
+                  </a:schemeClr>
+                </a:solidFill>
+                <a:latin typeface="Courier New" panose="02070309020205020404" pitchFamily="49" charset="0"/>
+                <a:cs typeface="Courier New" panose="02070309020205020404" pitchFamily="49" charset="0"/>
+              </a:rPr>
+              <a:t>type1</a:t>
+            </a:r>
+            <a:r>
+              <a:rPr lang="en-GB" sz="900" dirty="0">
+                <a:latin typeface="Courier New" panose="02070309020205020404" pitchFamily="49" charset="0"/>
+                <a:cs typeface="Courier New" panose="02070309020205020404" pitchFamily="49" charset="0"/>
+              </a:rPr>
+              <a:t>","</a:t>
+            </a:r>
+            <a:r>
+              <a:rPr lang="en-GB" sz="900" b="1" dirty="0">
+                <a:latin typeface="Courier New" panose="02070309020205020404" pitchFamily="49" charset="0"/>
+                <a:cs typeface="Courier New" panose="02070309020205020404" pitchFamily="49" charset="0"/>
+              </a:rPr>
+              <a:t>URL</a:t>
+            </a:r>
+            <a:r>
+              <a:rPr lang="en-GB" sz="900" dirty="0">
+                <a:latin typeface="Courier New" panose="02070309020205020404" pitchFamily="49" charset="0"/>
+                <a:cs typeface="Courier New" panose="02070309020205020404" pitchFamily="49" charset="0"/>
+              </a:rPr>
+              <a:t>":"</a:t>
+            </a:r>
+            <a:r>
+              <a:rPr lang="en-GB" sz="900" dirty="0">
+                <a:solidFill>
+                  <a:schemeClr val="accent6">
+                    <a:lumMod val="75000"/>
+                  </a:schemeClr>
+                </a:solidFill>
+                <a:latin typeface="Courier New" panose="02070309020205020404" pitchFamily="49" charset="0"/>
+                <a:cs typeface="Courier New" panose="02070309020205020404" pitchFamily="49" charset="0"/>
+              </a:rPr>
+              <a:t>http://1.org</a:t>
+            </a:r>
+            <a:r>
+              <a:rPr lang="en-GB" sz="900" dirty="0">
+                <a:latin typeface="Courier New" panose="02070309020205020404" pitchFamily="49" charset="0"/>
+                <a:cs typeface="Courier New" panose="02070309020205020404" pitchFamily="49" charset="0"/>
+              </a:rPr>
+              <a:t>","</a:t>
+            </a:r>
+            <a:r>
+              <a:rPr lang="en-GB" sz="900" b="1" dirty="0">
+                <a:latin typeface="Courier New" panose="02070309020205020404" pitchFamily="49" charset="0"/>
+                <a:cs typeface="Courier New" panose="02070309020205020404" pitchFamily="49" charset="0"/>
+              </a:rPr>
+              <a:t>Text</a:t>
+            </a:r>
+            <a:r>
+              <a:rPr lang="en-GB" sz="900" dirty="0">
+                <a:latin typeface="Courier New" panose="02070309020205020404" pitchFamily="49" charset="0"/>
+                <a:cs typeface="Courier New" panose="02070309020205020404" pitchFamily="49" charset="0"/>
+              </a:rPr>
+              <a:t>":[{"</a:t>
+            </a:r>
+            <a:r>
+              <a:rPr lang="en-GB" sz="900" b="1" dirty="0">
+                <a:latin typeface="Courier New" panose="02070309020205020404" pitchFamily="49" charset="0"/>
+                <a:cs typeface="Courier New" panose="02070309020205020404" pitchFamily="49" charset="0"/>
+              </a:rPr>
+              <a:t>Locale</a:t>
+            </a:r>
+            <a:r>
+              <a:rPr lang="en-GB" sz="900" dirty="0">
+                <a:latin typeface="Courier New" panose="02070309020205020404" pitchFamily="49" charset="0"/>
+                <a:cs typeface="Courier New" panose="02070309020205020404" pitchFamily="49" charset="0"/>
+              </a:rPr>
+              <a:t>":"</a:t>
+            </a:r>
+            <a:r>
+              <a:rPr lang="en-GB" sz="900" dirty="0" err="1">
+                <a:solidFill>
+                  <a:schemeClr val="accent6">
+                    <a:lumMod val="75000"/>
+                  </a:schemeClr>
+                </a:solidFill>
+                <a:latin typeface="Courier New" panose="02070309020205020404" pitchFamily="49" charset="0"/>
+                <a:cs typeface="Courier New" panose="02070309020205020404" pitchFamily="49" charset="0"/>
+              </a:rPr>
+              <a:t>en</a:t>
+            </a:r>
+            <a:r>
+              <a:rPr lang="en-GB" sz="900" dirty="0">
+                <a:latin typeface="Courier New" panose="02070309020205020404" pitchFamily="49" charset="0"/>
+                <a:cs typeface="Courier New" panose="02070309020205020404" pitchFamily="49" charset="0"/>
+              </a:rPr>
+              <a:t>","</a:t>
+            </a:r>
+            <a:r>
+              <a:rPr lang="en-GB" sz="900" b="1" dirty="0">
+                <a:latin typeface="Courier New" panose="02070309020205020404" pitchFamily="49" charset="0"/>
+                <a:cs typeface="Courier New" panose="02070309020205020404" pitchFamily="49" charset="0"/>
+              </a:rPr>
+              <a:t>Label</a:t>
+            </a:r>
+            <a:r>
+              <a:rPr lang="en-GB" sz="900" dirty="0">
+                <a:latin typeface="Courier New" panose="02070309020205020404" pitchFamily="49" charset="0"/>
+                <a:cs typeface="Courier New" panose="02070309020205020404" pitchFamily="49" charset="0"/>
+              </a:rPr>
+              <a:t>":"</a:t>
+            </a:r>
+            <a:r>
+              <a:rPr lang="en-GB" sz="900" dirty="0" err="1">
+                <a:solidFill>
+                  <a:schemeClr val="accent6">
+                    <a:lumMod val="75000"/>
+                  </a:schemeClr>
+                </a:solidFill>
+                <a:latin typeface="Courier New" panose="02070309020205020404" pitchFamily="49" charset="0"/>
+                <a:cs typeface="Courier New" panose="02070309020205020404" pitchFamily="49" charset="0"/>
+              </a:rPr>
+              <a:t>textEn</a:t>
+            </a:r>
+            <a:r>
+              <a:rPr lang="en-GB" sz="900" dirty="0" smtClean="0">
+                <a:latin typeface="Courier New" panose="02070309020205020404" pitchFamily="49" charset="0"/>
+                <a:cs typeface="Courier New" panose="02070309020205020404" pitchFamily="49" charset="0"/>
+              </a:rPr>
+              <a:t>"}]}] </a:t>
+            </a:r>
+          </a:p>
+          <a:p>
+            <a:pPr marL="0" indent="0">
+              <a:buNone/>
+            </a:pPr>
+            <a:r>
+              <a:rPr lang="en-GB" sz="1100" dirty="0" smtClean="0"/>
+              <a:t>	The </a:t>
+            </a:r>
+            <a:r>
+              <a:rPr lang="en-GB" sz="1100" dirty="0"/>
+              <a:t>keywords are in bold, the values (to replace) are in green. Note that certain elements are optional such as Id, Title and URL. </a:t>
+            </a:r>
+            <a:r>
+              <a:rPr lang="en-GB" sz="1100" dirty="0" smtClean="0"/>
+              <a:t>Here are some examples:</a:t>
+            </a:r>
+            <a:endParaRPr lang="en-GB" sz="1100" dirty="0"/>
+          </a:p>
+          <a:p>
+            <a:pPr marL="0" indent="0">
+              <a:buNone/>
+            </a:pPr>
+            <a:r>
+              <a:rPr lang="en-GB" sz="1100" b="1" dirty="0" smtClean="0"/>
+              <a:t>	</a:t>
+            </a:r>
+            <a:r>
+              <a:rPr lang="en-GB" sz="1100" dirty="0" smtClean="0"/>
+              <a:t>Single annotation, single language Text:</a:t>
+            </a:r>
+            <a:endParaRPr lang="en-GB" sz="1100" dirty="0"/>
+          </a:p>
+          <a:p>
+            <a:pPr marL="0" indent="0">
+              <a:buNone/>
+            </a:pPr>
+            <a:r>
+              <a:rPr lang="en-GB" sz="900" dirty="0" smtClean="0"/>
+              <a:t>	</a:t>
+            </a:r>
+            <a:r>
+              <a:rPr lang="en-GB" sz="900" dirty="0" smtClean="0">
+                <a:latin typeface="Courier New" panose="02070309020205020404" pitchFamily="49" charset="0"/>
+                <a:cs typeface="Courier New" panose="02070309020205020404" pitchFamily="49" charset="0"/>
+              </a:rPr>
+              <a:t>[{"</a:t>
+            </a:r>
+            <a:r>
+              <a:rPr lang="en-GB" sz="900" dirty="0" err="1">
+                <a:latin typeface="Courier New" panose="02070309020205020404" pitchFamily="49" charset="0"/>
+                <a:cs typeface="Courier New" panose="02070309020205020404" pitchFamily="49" charset="0"/>
+              </a:rPr>
+              <a:t>Type":"</a:t>
+            </a:r>
+            <a:r>
+              <a:rPr lang="en-GB" sz="900" dirty="0" err="1">
+                <a:solidFill>
+                  <a:srgbClr val="00B050"/>
+                </a:solidFill>
+                <a:latin typeface="Courier New" panose="02070309020205020404" pitchFamily="49" charset="0"/>
+                <a:cs typeface="Courier New" panose="02070309020205020404" pitchFamily="49" charset="0"/>
+              </a:rPr>
+              <a:t>CODE_HISTORY</a:t>
+            </a:r>
+            <a:r>
+              <a:rPr lang="en-GB" sz="900" dirty="0" err="1">
+                <a:latin typeface="Courier New" panose="02070309020205020404" pitchFamily="49" charset="0"/>
+                <a:cs typeface="Courier New" panose="02070309020205020404" pitchFamily="49" charset="0"/>
+              </a:rPr>
+              <a:t>","Text</a:t>
+            </a:r>
+            <a:r>
+              <a:rPr lang="en-GB" sz="900" dirty="0" smtClean="0">
+                <a:latin typeface="Courier New" panose="02070309020205020404" pitchFamily="49" charset="0"/>
+                <a:cs typeface="Courier New" panose="02070309020205020404" pitchFamily="49" charset="0"/>
+              </a:rPr>
+              <a:t>":[{</a:t>
+            </a:r>
+            <a:r>
+              <a:rPr lang="en-GB" sz="900" dirty="0">
+                <a:latin typeface="Courier New" panose="02070309020205020404" pitchFamily="49" charset="0"/>
+                <a:cs typeface="Courier New" panose="02070309020205020404" pitchFamily="49" charset="0"/>
+              </a:rPr>
+              <a:t>"Locale":"</a:t>
+            </a:r>
+            <a:r>
+              <a:rPr lang="en-GB" sz="900" dirty="0">
+                <a:solidFill>
+                  <a:srgbClr val="00B050"/>
+                </a:solidFill>
+                <a:latin typeface="Courier New" panose="02070309020205020404" pitchFamily="49" charset="0"/>
+                <a:cs typeface="Courier New" panose="02070309020205020404" pitchFamily="49" charset="0"/>
+              </a:rPr>
+              <a:t>en</a:t>
+            </a:r>
+            <a:r>
+              <a:rPr lang="en-GB" sz="900" dirty="0">
+                <a:latin typeface="Courier New" panose="02070309020205020404" pitchFamily="49" charset="0"/>
+                <a:cs typeface="Courier New" panose="02070309020205020404" pitchFamily="49" charset="0"/>
+              </a:rPr>
+              <a:t>","Label":"</a:t>
+            </a:r>
+            <a:r>
+              <a:rPr lang="en-GB" sz="900" dirty="0">
+                <a:solidFill>
+                  <a:srgbClr val="00B050"/>
+                </a:solidFill>
+                <a:latin typeface="Courier New" panose="02070309020205020404" pitchFamily="49" charset="0"/>
+                <a:cs typeface="Courier New" panose="02070309020205020404" pitchFamily="49" charset="0"/>
+              </a:rPr>
+              <a:t>10053</a:t>
+            </a:r>
+            <a:r>
+              <a:rPr lang="en-GB" sz="900" dirty="0" smtClean="0">
+                <a:latin typeface="Courier New" panose="02070309020205020404" pitchFamily="49" charset="0"/>
+                <a:cs typeface="Courier New" panose="02070309020205020404" pitchFamily="49" charset="0"/>
+              </a:rPr>
+              <a:t>"}]}]</a:t>
+            </a:r>
+          </a:p>
+          <a:p>
+            <a:pPr marL="0" indent="0">
+              <a:buNone/>
+            </a:pPr>
+            <a:r>
+              <a:rPr lang="en-GB" sz="1100" dirty="0"/>
+              <a:t>	Single annotation, </a:t>
+            </a:r>
+            <a:r>
+              <a:rPr lang="en-GB" sz="1100" dirty="0" smtClean="0"/>
+              <a:t>multiple </a:t>
+            </a:r>
+            <a:r>
+              <a:rPr lang="en-GB" sz="1100" dirty="0"/>
+              <a:t>language </a:t>
+            </a:r>
+            <a:r>
+              <a:rPr lang="en-GB" sz="1100" dirty="0" smtClean="0"/>
+              <a:t>Texts:</a:t>
+            </a:r>
+            <a:endParaRPr lang="en-GB" sz="1100" dirty="0"/>
+          </a:p>
+          <a:p>
+            <a:pPr marL="0" indent="0">
+              <a:buNone/>
+            </a:pPr>
+            <a:r>
+              <a:rPr lang="en-GB" sz="900" dirty="0"/>
+              <a:t>	</a:t>
+            </a:r>
+            <a:r>
+              <a:rPr lang="en-GB" sz="900" dirty="0">
+                <a:latin typeface="Courier New" panose="02070309020205020404" pitchFamily="49" charset="0"/>
+                <a:cs typeface="Courier New" panose="02070309020205020404" pitchFamily="49" charset="0"/>
+              </a:rPr>
+              <a:t>[{"</a:t>
+            </a:r>
+            <a:r>
+              <a:rPr lang="en-GB" sz="900" dirty="0" err="1">
+                <a:latin typeface="Courier New" panose="02070309020205020404" pitchFamily="49" charset="0"/>
+                <a:cs typeface="Courier New" panose="02070309020205020404" pitchFamily="49" charset="0"/>
+              </a:rPr>
+              <a:t>Type":"</a:t>
+            </a:r>
+            <a:r>
+              <a:rPr lang="en-GB" sz="900" dirty="0" err="1">
+                <a:solidFill>
+                  <a:srgbClr val="00B050"/>
+                </a:solidFill>
+                <a:latin typeface="Courier New" panose="02070309020205020404" pitchFamily="49" charset="0"/>
+                <a:cs typeface="Courier New" panose="02070309020205020404" pitchFamily="49" charset="0"/>
+              </a:rPr>
+              <a:t>CODE_HISTORY</a:t>
+            </a:r>
+            <a:r>
+              <a:rPr lang="en-GB" sz="900" dirty="0" err="1">
+                <a:latin typeface="Courier New" panose="02070309020205020404" pitchFamily="49" charset="0"/>
+                <a:cs typeface="Courier New" panose="02070309020205020404" pitchFamily="49" charset="0"/>
+              </a:rPr>
+              <a:t>","Text</a:t>
+            </a:r>
+            <a:r>
+              <a:rPr lang="en-GB" sz="900" dirty="0" smtClean="0">
+                <a:latin typeface="Courier New" panose="02070309020205020404" pitchFamily="49" charset="0"/>
+                <a:cs typeface="Courier New" panose="02070309020205020404" pitchFamily="49" charset="0"/>
+              </a:rPr>
+              <a:t>":[{</a:t>
+            </a:r>
+            <a:r>
+              <a:rPr lang="en-GB" sz="900" dirty="0">
+                <a:latin typeface="Courier New" panose="02070309020205020404" pitchFamily="49" charset="0"/>
+                <a:cs typeface="Courier New" panose="02070309020205020404" pitchFamily="49" charset="0"/>
+              </a:rPr>
+              <a:t>"Locale":"</a:t>
+            </a:r>
+            <a:r>
+              <a:rPr lang="en-GB" sz="900" dirty="0">
+                <a:solidFill>
+                  <a:srgbClr val="00B050"/>
+                </a:solidFill>
+                <a:latin typeface="Courier New" panose="02070309020205020404" pitchFamily="49" charset="0"/>
+                <a:cs typeface="Courier New" panose="02070309020205020404" pitchFamily="49" charset="0"/>
+              </a:rPr>
+              <a:t>en</a:t>
+            </a:r>
+            <a:r>
+              <a:rPr lang="en-GB" sz="900" dirty="0">
+                <a:latin typeface="Courier New" panose="02070309020205020404" pitchFamily="49" charset="0"/>
+                <a:cs typeface="Courier New" panose="02070309020205020404" pitchFamily="49" charset="0"/>
+              </a:rPr>
+              <a:t>","Label":"</a:t>
+            </a:r>
+            <a:r>
+              <a:rPr lang="en-GB" sz="900" dirty="0">
+                <a:solidFill>
+                  <a:srgbClr val="00B050"/>
+                </a:solidFill>
+                <a:latin typeface="Courier New" panose="02070309020205020404" pitchFamily="49" charset="0"/>
+                <a:cs typeface="Courier New" panose="02070309020205020404" pitchFamily="49" charset="0"/>
+              </a:rPr>
+              <a:t>10053</a:t>
+            </a:r>
+            <a:r>
+              <a:rPr lang="en-GB" sz="900" dirty="0">
+                <a:latin typeface="Courier New" panose="02070309020205020404" pitchFamily="49" charset="0"/>
+                <a:cs typeface="Courier New" panose="02070309020205020404" pitchFamily="49" charset="0"/>
+              </a:rPr>
+              <a:t>"},{"Locale":"</a:t>
+            </a:r>
+            <a:r>
+              <a:rPr lang="en-GB" sz="900" dirty="0">
+                <a:solidFill>
+                  <a:srgbClr val="00B050"/>
+                </a:solidFill>
+                <a:latin typeface="Courier New" panose="02070309020205020404" pitchFamily="49" charset="0"/>
+                <a:cs typeface="Courier New" panose="02070309020205020404" pitchFamily="49" charset="0"/>
+              </a:rPr>
+              <a:t>fr</a:t>
+            </a:r>
+            <a:r>
+              <a:rPr lang="en-GB" sz="900" dirty="0">
+                <a:latin typeface="Courier New" panose="02070309020205020404" pitchFamily="49" charset="0"/>
+                <a:cs typeface="Courier New" panose="02070309020205020404" pitchFamily="49" charset="0"/>
+              </a:rPr>
+              <a:t>","Label":"</a:t>
+            </a:r>
+            <a:r>
+              <a:rPr lang="en-GB" sz="900" dirty="0">
+                <a:solidFill>
+                  <a:srgbClr val="00B050"/>
+                </a:solidFill>
+                <a:latin typeface="Courier New" panose="02070309020205020404" pitchFamily="49" charset="0"/>
+                <a:cs typeface="Courier New" panose="02070309020205020404" pitchFamily="49" charset="0"/>
+              </a:rPr>
+              <a:t>20053</a:t>
+            </a:r>
+            <a:r>
+              <a:rPr lang="en-GB" sz="900" dirty="0">
+                <a:latin typeface="Courier New" panose="02070309020205020404" pitchFamily="49" charset="0"/>
+                <a:cs typeface="Courier New" panose="02070309020205020404" pitchFamily="49" charset="0"/>
+              </a:rPr>
+              <a:t>"}]}]</a:t>
+            </a:r>
+          </a:p>
+          <a:p>
+            <a:pPr marL="0" indent="0">
+              <a:buNone/>
+            </a:pPr>
+            <a:r>
+              <a:rPr lang="en-GB" sz="1100" dirty="0" smtClean="0"/>
+              <a:t>	</a:t>
+            </a:r>
+            <a:r>
+              <a:rPr lang="en-GB" sz="1100" dirty="0"/>
+              <a:t>Multiple annotations for a code (the separate Annotations are </a:t>
+            </a:r>
+            <a:r>
+              <a:rPr lang="en-GB" sz="1100" dirty="0" smtClean="0"/>
+              <a:t>coloured red </a:t>
+            </a:r>
+            <a:r>
+              <a:rPr lang="en-GB" sz="1100" smtClean="0"/>
+              <a:t>and blue):</a:t>
+            </a:r>
+            <a:endParaRPr lang="en-GB" sz="1100" dirty="0"/>
+          </a:p>
+          <a:p>
+            <a:pPr marL="0" indent="0">
+              <a:buNone/>
+            </a:pPr>
+            <a:r>
+              <a:rPr lang="en-GB" sz="1100" b="1" dirty="0" smtClean="0"/>
+              <a:t>	</a:t>
+            </a:r>
+            <a:r>
+              <a:rPr lang="en-GB" sz="900" dirty="0" smtClean="0">
+                <a:latin typeface="Courier New" panose="02070309020205020404" pitchFamily="49" charset="0"/>
+                <a:cs typeface="Courier New" panose="02070309020205020404" pitchFamily="49" charset="0"/>
+              </a:rPr>
+              <a:t>[</a:t>
+            </a:r>
+            <a:r>
+              <a:rPr lang="en-GB" sz="900" dirty="0" smtClean="0">
+                <a:solidFill>
+                  <a:srgbClr val="C00000"/>
+                </a:solidFill>
+                <a:latin typeface="Courier New" panose="02070309020205020404" pitchFamily="49" charset="0"/>
+                <a:cs typeface="Courier New" panose="02070309020205020404" pitchFamily="49" charset="0"/>
+              </a:rPr>
+              <a:t>{"</a:t>
+            </a:r>
+            <a:r>
+              <a:rPr lang="en-GB" sz="900" dirty="0" err="1">
+                <a:solidFill>
+                  <a:srgbClr val="C00000"/>
+                </a:solidFill>
+                <a:latin typeface="Courier New" panose="02070309020205020404" pitchFamily="49" charset="0"/>
+                <a:cs typeface="Courier New" panose="02070309020205020404" pitchFamily="49" charset="0"/>
+              </a:rPr>
+              <a:t>Type":"</a:t>
+            </a:r>
+            <a:r>
+              <a:rPr lang="en-GB" sz="900" dirty="0" err="1">
+                <a:solidFill>
+                  <a:srgbClr val="00B050"/>
+                </a:solidFill>
+                <a:latin typeface="Courier New" panose="02070309020205020404" pitchFamily="49" charset="0"/>
+                <a:cs typeface="Courier New" panose="02070309020205020404" pitchFamily="49" charset="0"/>
+              </a:rPr>
+              <a:t>CODE_HISTORY</a:t>
+            </a:r>
+            <a:r>
+              <a:rPr lang="en-GB" sz="900" dirty="0" err="1">
+                <a:solidFill>
+                  <a:srgbClr val="C00000"/>
+                </a:solidFill>
+                <a:latin typeface="Courier New" panose="02070309020205020404" pitchFamily="49" charset="0"/>
+                <a:cs typeface="Courier New" panose="02070309020205020404" pitchFamily="49" charset="0"/>
+              </a:rPr>
+              <a:t>","Text</a:t>
+            </a:r>
+            <a:r>
+              <a:rPr lang="en-GB" sz="900" dirty="0">
+                <a:solidFill>
+                  <a:srgbClr val="C00000"/>
+                </a:solidFill>
+                <a:latin typeface="Courier New" panose="02070309020205020404" pitchFamily="49" charset="0"/>
+                <a:cs typeface="Courier New" panose="02070309020205020404" pitchFamily="49" charset="0"/>
+              </a:rPr>
+              <a:t>":[{"Locale":"</a:t>
+            </a:r>
+            <a:r>
+              <a:rPr lang="en-GB" sz="900" dirty="0">
+                <a:solidFill>
+                  <a:srgbClr val="00B050"/>
+                </a:solidFill>
+                <a:latin typeface="Courier New" panose="02070309020205020404" pitchFamily="49" charset="0"/>
+                <a:cs typeface="Courier New" panose="02070309020205020404" pitchFamily="49" charset="0"/>
+              </a:rPr>
+              <a:t>en</a:t>
+            </a:r>
+            <a:r>
+              <a:rPr lang="en-GB" sz="900" dirty="0">
+                <a:solidFill>
+                  <a:srgbClr val="C00000"/>
+                </a:solidFill>
+                <a:latin typeface="Courier New" panose="02070309020205020404" pitchFamily="49" charset="0"/>
+                <a:cs typeface="Courier New" panose="02070309020205020404" pitchFamily="49" charset="0"/>
+              </a:rPr>
+              <a:t>","Label":"</a:t>
+            </a:r>
+            <a:r>
+              <a:rPr lang="en-GB" sz="900" dirty="0">
+                <a:solidFill>
+                  <a:srgbClr val="00B050"/>
+                </a:solidFill>
+                <a:latin typeface="Courier New" panose="02070309020205020404" pitchFamily="49" charset="0"/>
+                <a:cs typeface="Courier New" panose="02070309020205020404" pitchFamily="49" charset="0"/>
+              </a:rPr>
+              <a:t>10053</a:t>
+            </a:r>
+            <a:r>
+              <a:rPr lang="en-GB" sz="900" dirty="0">
+                <a:solidFill>
+                  <a:srgbClr val="C00000"/>
+                </a:solidFill>
+                <a:latin typeface="Courier New" panose="02070309020205020404" pitchFamily="49" charset="0"/>
+                <a:cs typeface="Courier New" panose="02070309020205020404" pitchFamily="49" charset="0"/>
+              </a:rPr>
+              <a:t>"}]}</a:t>
+            </a:r>
+            <a:r>
+              <a:rPr lang="en-GB" sz="900" dirty="0">
+                <a:latin typeface="Courier New" panose="02070309020205020404" pitchFamily="49" charset="0"/>
+                <a:cs typeface="Courier New" panose="02070309020205020404" pitchFamily="49" charset="0"/>
+              </a:rPr>
+              <a:t>,</a:t>
+            </a:r>
+            <a:r>
+              <a:rPr lang="en-GB" sz="900" dirty="0">
+                <a:solidFill>
+                  <a:srgbClr val="0070C0"/>
+                </a:solidFill>
+                <a:latin typeface="Courier New" panose="02070309020205020404" pitchFamily="49" charset="0"/>
+                <a:cs typeface="Courier New" panose="02070309020205020404" pitchFamily="49" charset="0"/>
+              </a:rPr>
+              <a:t>{"</a:t>
+            </a:r>
+            <a:r>
+              <a:rPr lang="en-GB" sz="900" dirty="0" err="1">
+                <a:solidFill>
+                  <a:srgbClr val="0070C0"/>
+                </a:solidFill>
+                <a:latin typeface="Courier New" panose="02070309020205020404" pitchFamily="49" charset="0"/>
+                <a:cs typeface="Courier New" panose="02070309020205020404" pitchFamily="49" charset="0"/>
+              </a:rPr>
+              <a:t>Type":"</a:t>
+            </a:r>
+            <a:r>
+              <a:rPr lang="en-GB" sz="900" dirty="0" err="1">
+                <a:solidFill>
+                  <a:srgbClr val="00B050"/>
+                </a:solidFill>
+                <a:latin typeface="Courier New" panose="02070309020205020404" pitchFamily="49" charset="0"/>
+                <a:cs typeface="Courier New" panose="02070309020205020404" pitchFamily="49" charset="0"/>
+              </a:rPr>
+              <a:t>ABBREV</a:t>
+            </a:r>
+            <a:r>
+              <a:rPr lang="en-GB" sz="900" dirty="0" err="1">
+                <a:solidFill>
+                  <a:srgbClr val="0070C0"/>
+                </a:solidFill>
+                <a:latin typeface="Courier New" panose="02070309020205020404" pitchFamily="49" charset="0"/>
+                <a:cs typeface="Courier New" panose="02070309020205020404" pitchFamily="49" charset="0"/>
+              </a:rPr>
+              <a:t>","Text</a:t>
+            </a:r>
+            <a:r>
+              <a:rPr lang="en-GB" sz="900" dirty="0">
+                <a:solidFill>
+                  <a:srgbClr val="0070C0"/>
+                </a:solidFill>
+                <a:latin typeface="Courier New" panose="02070309020205020404" pitchFamily="49" charset="0"/>
+                <a:cs typeface="Courier New" panose="02070309020205020404" pitchFamily="49" charset="0"/>
+              </a:rPr>
+              <a:t>":[{"Locale":"</a:t>
+            </a:r>
+            <a:r>
+              <a:rPr lang="en-GB" sz="900" dirty="0" err="1">
+                <a:solidFill>
+                  <a:srgbClr val="00B050"/>
+                </a:solidFill>
+                <a:latin typeface="Courier New" panose="02070309020205020404" pitchFamily="49" charset="0"/>
+                <a:cs typeface="Courier New" panose="02070309020205020404" pitchFamily="49" charset="0"/>
+              </a:rPr>
+              <a:t>en</a:t>
+            </a:r>
+            <a:r>
+              <a:rPr lang="en-GB" sz="900" dirty="0">
+                <a:solidFill>
+                  <a:srgbClr val="0070C0"/>
+                </a:solidFill>
+                <a:latin typeface="Courier New" panose="02070309020205020404" pitchFamily="49" charset="0"/>
+                <a:cs typeface="Courier New" panose="02070309020205020404" pitchFamily="49" charset="0"/>
+              </a:rPr>
+              <a:t>","Label":"</a:t>
+            </a:r>
+            <a:r>
+              <a:rPr lang="en-GB" sz="900" dirty="0" err="1">
+                <a:solidFill>
+                  <a:srgbClr val="00B050"/>
+                </a:solidFill>
+                <a:latin typeface="Courier New" panose="02070309020205020404" pitchFamily="49" charset="0"/>
+                <a:cs typeface="Courier New" panose="02070309020205020404" pitchFamily="49" charset="0"/>
+              </a:rPr>
+              <a:t>Affoltern</a:t>
+            </a:r>
+            <a:r>
+              <a:rPr lang="en-GB" sz="900" dirty="0" smtClean="0">
+                <a:solidFill>
+                  <a:srgbClr val="0070C0"/>
+                </a:solidFill>
+                <a:latin typeface="Courier New" panose="02070309020205020404" pitchFamily="49" charset="0"/>
+                <a:cs typeface="Courier New" panose="02070309020205020404" pitchFamily="49" charset="0"/>
+              </a:rPr>
+              <a:t>"}]}</a:t>
+            </a:r>
+            <a:r>
+              <a:rPr lang="en-GB" sz="900" dirty="0" smtClean="0">
+                <a:latin typeface="Courier New" panose="02070309020205020404" pitchFamily="49" charset="0"/>
+                <a:cs typeface="Courier New" panose="02070309020205020404" pitchFamily="49" charset="0"/>
+              </a:rPr>
+              <a:t>]</a:t>
+            </a:r>
+            <a:endParaRPr lang="en-GB" sz="1100" dirty="0" smtClean="0"/>
+          </a:p>
+          <a:p>
+            <a:pPr marL="0" indent="0">
+              <a:buNone/>
+            </a:pPr>
+            <a:r>
+              <a:rPr lang="en-GB" sz="1100" dirty="0" smtClean="0"/>
               <a:t>Continued…</a:t>
             </a:r>
           </a:p>
@@ -22471,16 +23254,16 @@
 <file path=customXml/itemProps1.xml><?xml version="1.0" encoding="utf-8"?>
 <ds:datastoreItem xmlns:ds="http://schemas.openxmlformats.org/officeDocument/2006/customXml" ds:itemID="{9AC980C5-8878-4068-AFEA-A29CB527EB66}">
   <ds:schemaRefs>
+    <ds:schemaRef ds:uri="607381c3-0f53-441d-8dd9-b46e64774622"/>
+    <ds:schemaRef ds:uri="http://purl.org/dc/dcmitype/"/>
     <ds:schemaRef ds:uri="http://schemas.microsoft.com/office/infopath/2007/PartnerControls"/>
     <ds:schemaRef ds:uri="626d4039-44a3-4f34-a939-9e74c9a193d1"/>
     <ds:schemaRef ds:uri="http://purl.org/dc/elements/1.1/"/>
     <ds:schemaRef ds:uri="http://schemas.microsoft.com/office/2006/metadata/properties"/>
     <ds:schemaRef ds:uri="http://schemas.microsoft.com/office/2006/documentManagement/types"/>
-    <ds:schemaRef ds:uri="http://purl.org/dc/terms/"/>
-    <ds:schemaRef ds:uri="607381c3-0f53-441d-8dd9-b46e64774622"/>
-    <ds:schemaRef ds:uri="http://purl.org/dc/dcmitype/"/>
     <ds:schemaRef ds:uri="http://schemas.openxmlformats.org/package/2006/metadata/core-properties"/>
     <ds:schemaRef ds:uri="http://www.w3.org/XML/1998/namespace"/>
+    <ds:schemaRef ds:uri="http://purl.org/dc/terms/"/>
   </ds:schemaRefs>
 </ds:datastoreItem>
 </file>
